--- a/FAIR FAST FARE DBMS FINAL PROJECT.pptx
+++ b/FAIR FAST FARE DBMS FINAL PROJECT.pptx
@@ -21,7 +21,16 @@
     <p:sldId id="271" r:id="rId15"/>
     <p:sldId id="272" r:id="rId16"/>
     <p:sldId id="267" r:id="rId17"/>
-    <p:sldId id="262" r:id="rId18"/>
+    <p:sldId id="273" r:id="rId18"/>
+    <p:sldId id="274" r:id="rId19"/>
+    <p:sldId id="275" r:id="rId20"/>
+    <p:sldId id="276" r:id="rId21"/>
+    <p:sldId id="277" r:id="rId22"/>
+    <p:sldId id="278" r:id="rId23"/>
+    <p:sldId id="279" r:id="rId24"/>
+    <p:sldId id="280" r:id="rId25"/>
+    <p:sldId id="281" r:id="rId26"/>
+    <p:sldId id="262" r:id="rId27"/>
   </p:sldIdLst>
   <p:sldSz cx="12192000" cy="6858000"/>
   <p:notesSz cx="6858000" cy="9144000"/>
@@ -121,10 +130,6 @@
     </a:lvl9pPr>
   </p:defaultTextStyle>
 </p:presentation>
-</file>
-
-<file path=ppt/revisionInfo.xml><?xml version="1.0" encoding="utf-8"?>
-<p1510:revInfo xmlns:a="http://schemas.openxmlformats.org/drawingml/2006/main" xmlns:r="http://schemas.openxmlformats.org/officeDocument/2006/relationships" xmlns:p1510="http://schemas.microsoft.com/office/powerpoint/2015/10/main"/>
 </file>
 
 <file path=ppt/slideLayouts/slideLayout1.xml><?xml version="1.0" encoding="utf-8"?>
@@ -13943,102 +13948,186 @@
           <a:lstStyle/>
           <a:p>
             <a:r>
-              <a:rPr lang="en-US" b="1" dirty="0"/>
+              <a:rPr lang="en-US" b="1" dirty="0">
+                <a:solidFill>
+                  <a:schemeClr val="tx1"/>
+                </a:solidFill>
+              </a:rPr>
               <a:t>CREATE TABLE  Customer(</a:t>
             </a:r>
           </a:p>
           <a:p>
             <a:r>
-              <a:rPr lang="en-US" b="1" dirty="0"/>
+              <a:rPr lang="en-US" b="1" dirty="0">
+                <a:solidFill>
+                  <a:schemeClr val="tx1"/>
+                </a:solidFill>
+              </a:rPr>
               <a:t> </a:t>
             </a:r>
             <a:r>
-              <a:rPr lang="en-US" b="1" dirty="0" err="1"/>
+              <a:rPr lang="en-US" b="1" dirty="0" err="1">
+                <a:solidFill>
+                  <a:schemeClr val="tx1"/>
+                </a:solidFill>
+              </a:rPr>
               <a:t>Cust_ID</a:t>
             </a:r>
             <a:r>
-              <a:rPr lang="en-US" b="1" dirty="0"/>
+              <a:rPr lang="en-US" b="1" dirty="0">
+                <a:solidFill>
+                  <a:schemeClr val="tx1"/>
+                </a:solidFill>
+              </a:rPr>
               <a:t>  Numeric (3) not null,</a:t>
             </a:r>
           </a:p>
           <a:p>
             <a:r>
-              <a:rPr lang="en-US" b="1" dirty="0"/>
+              <a:rPr lang="en-US" b="1" dirty="0">
+                <a:solidFill>
+                  <a:schemeClr val="tx1"/>
+                </a:solidFill>
+              </a:rPr>
               <a:t> Address  Text,  </a:t>
             </a:r>
           </a:p>
           <a:p>
             <a:r>
-              <a:rPr lang="en-US" b="1" dirty="0"/>
+              <a:rPr lang="en-US" b="1" dirty="0">
+                <a:solidFill>
+                  <a:schemeClr val="tx1"/>
+                </a:solidFill>
+              </a:rPr>
               <a:t> </a:t>
             </a:r>
             <a:r>
-              <a:rPr lang="en-US" b="1" dirty="0" err="1"/>
+              <a:rPr lang="en-US" b="1" dirty="0" err="1">
+                <a:solidFill>
+                  <a:schemeClr val="tx1"/>
+                </a:solidFill>
+              </a:rPr>
               <a:t>Cust_Name</a:t>
             </a:r>
             <a:r>
-              <a:rPr lang="en-US" b="1" dirty="0"/>
+              <a:rPr lang="en-US" b="1" dirty="0">
+                <a:solidFill>
+                  <a:schemeClr val="tx1"/>
+                </a:solidFill>
+              </a:rPr>
               <a:t>  Text not null references People (</a:t>
             </a:r>
             <a:r>
-              <a:rPr lang="en-US" b="1" dirty="0" err="1"/>
+              <a:rPr lang="en-US" b="1" dirty="0" err="1">
+                <a:solidFill>
+                  <a:schemeClr val="tx1"/>
+                </a:solidFill>
+              </a:rPr>
               <a:t>Person_Name</a:t>
             </a:r>
             <a:r>
-              <a:rPr lang="en-US" b="1" dirty="0"/>
+              <a:rPr lang="en-US" b="1" dirty="0">
+                <a:solidFill>
+                  <a:schemeClr val="tx1"/>
+                </a:solidFill>
+              </a:rPr>
               <a:t>),</a:t>
             </a:r>
           </a:p>
           <a:p>
             <a:r>
-              <a:rPr lang="en-US" b="1" dirty="0"/>
+              <a:rPr lang="en-US" b="1" dirty="0">
+                <a:solidFill>
+                  <a:schemeClr val="tx1"/>
+                </a:solidFill>
+              </a:rPr>
               <a:t> </a:t>
             </a:r>
             <a:r>
-              <a:rPr lang="en-US" b="1" dirty="0" err="1"/>
+              <a:rPr lang="en-US" b="1" dirty="0" err="1">
+                <a:solidFill>
+                  <a:schemeClr val="tx1"/>
+                </a:solidFill>
+              </a:rPr>
               <a:t>PhoneNumber</a:t>
             </a:r>
             <a:r>
-              <a:rPr lang="en-US" b="1" dirty="0"/>
+              <a:rPr lang="en-US" b="1" dirty="0">
+                <a:solidFill>
+                  <a:schemeClr val="tx1"/>
+                </a:solidFill>
+              </a:rPr>
               <a:t>  Numeric not null references People (</a:t>
             </a:r>
             <a:r>
-              <a:rPr lang="en-US" b="1" dirty="0" err="1"/>
+              <a:rPr lang="en-US" b="1" dirty="0" err="1">
+                <a:solidFill>
+                  <a:schemeClr val="tx1"/>
+                </a:solidFill>
+              </a:rPr>
               <a:t>PhoneNumber</a:t>
             </a:r>
             <a:r>
-              <a:rPr lang="en-US" b="1" dirty="0"/>
+              <a:rPr lang="en-US" b="1" dirty="0">
+                <a:solidFill>
+                  <a:schemeClr val="tx1"/>
+                </a:solidFill>
+              </a:rPr>
               <a:t>),</a:t>
             </a:r>
           </a:p>
           <a:p>
             <a:r>
-              <a:rPr lang="en-US" b="1" dirty="0"/>
+              <a:rPr lang="en-US" b="1" dirty="0">
+                <a:solidFill>
+                  <a:schemeClr val="tx1"/>
+                </a:solidFill>
+              </a:rPr>
               <a:t>PRIMARY KEY ( Address ),</a:t>
             </a:r>
           </a:p>
           <a:p>
             <a:r>
-              <a:rPr lang="en-US" b="1" dirty="0"/>
+              <a:rPr lang="en-US" b="1" dirty="0">
+                <a:solidFill>
+                  <a:schemeClr val="tx1"/>
+                </a:solidFill>
+              </a:rPr>
               <a:t>FOREIGN KEY ( </a:t>
             </a:r>
             <a:r>
-              <a:rPr lang="en-US" b="1" dirty="0" err="1"/>
+              <a:rPr lang="en-US" b="1" dirty="0" err="1">
+                <a:solidFill>
+                  <a:schemeClr val="tx1"/>
+                </a:solidFill>
+              </a:rPr>
               <a:t>Cust_ID</a:t>
             </a:r>
             <a:r>
-              <a:rPr lang="en-US" b="1" dirty="0"/>
+              <a:rPr lang="en-US" b="1" dirty="0">
+                <a:solidFill>
+                  <a:schemeClr val="tx1"/>
+                </a:solidFill>
+              </a:rPr>
               <a:t> ) references People (PID)</a:t>
             </a:r>
           </a:p>
           <a:p>
             <a:r>
-              <a:rPr lang="en-US" b="1" dirty="0"/>
+              <a:rPr lang="en-US" b="1" dirty="0">
+                <a:solidFill>
+                  <a:schemeClr val="tx1"/>
+                </a:solidFill>
+              </a:rPr>
               <a:t>);</a:t>
             </a:r>
           </a:p>
           <a:p>
-            <a:endParaRPr lang="en-US" dirty="0"/>
+            <a:endParaRPr lang="en-US" dirty="0">
+              <a:solidFill>
+                <a:schemeClr val="tx1"/>
+              </a:solidFill>
+            </a:endParaRPr>
           </a:p>
         </p:txBody>
       </p:sp>
@@ -14115,104 +14204,192 @@
           <a:lstStyle/>
           <a:p>
             <a:r>
-              <a:rPr lang="en-US" b="1" dirty="0"/>
+              <a:rPr lang="en-US" b="1" dirty="0">
+                <a:solidFill>
+                  <a:schemeClr val="tx1"/>
+                </a:solidFill>
+              </a:rPr>
               <a:t>CREATE TABLE  Dispatcher(</a:t>
             </a:r>
           </a:p>
           <a:p>
             <a:r>
-              <a:rPr lang="en-US" b="1" dirty="0"/>
+              <a:rPr lang="en-US" b="1" dirty="0">
+                <a:solidFill>
+                  <a:schemeClr val="tx1"/>
+                </a:solidFill>
+              </a:rPr>
               <a:t> </a:t>
             </a:r>
             <a:r>
-              <a:rPr lang="en-US" b="1" dirty="0" err="1"/>
+              <a:rPr lang="en-US" b="1" dirty="0" err="1">
+                <a:solidFill>
+                  <a:schemeClr val="tx1"/>
+                </a:solidFill>
+              </a:rPr>
               <a:t>Dispatch_ID</a:t>
             </a:r>
             <a:r>
-              <a:rPr lang="en-US" b="1" dirty="0"/>
+              <a:rPr lang="en-US" b="1" dirty="0">
+                <a:solidFill>
+                  <a:schemeClr val="tx1"/>
+                </a:solidFill>
+              </a:rPr>
               <a:t>  Numeric (3),</a:t>
             </a:r>
           </a:p>
           <a:p>
             <a:r>
-              <a:rPr lang="en-US" b="1" dirty="0"/>
+              <a:rPr lang="en-US" b="1" dirty="0">
+                <a:solidFill>
+                  <a:schemeClr val="tx1"/>
+                </a:solidFill>
+              </a:rPr>
               <a:t> </a:t>
             </a:r>
             <a:r>
-              <a:rPr lang="en-US" b="1" dirty="0" err="1"/>
+              <a:rPr lang="en-US" b="1" dirty="0" err="1">
+                <a:solidFill>
+                  <a:schemeClr val="tx1"/>
+                </a:solidFill>
+              </a:rPr>
               <a:t>Dispatch_Name</a:t>
             </a:r>
             <a:r>
-              <a:rPr lang="en-US" b="1" dirty="0"/>
+              <a:rPr lang="en-US" b="1" dirty="0">
+                <a:solidFill>
+                  <a:schemeClr val="tx1"/>
+                </a:solidFill>
+              </a:rPr>
               <a:t>  Text not null references People (</a:t>
             </a:r>
             <a:r>
-              <a:rPr lang="en-US" b="1" dirty="0" err="1"/>
+              <a:rPr lang="en-US" b="1" dirty="0" err="1">
+                <a:solidFill>
+                  <a:schemeClr val="tx1"/>
+                </a:solidFill>
+              </a:rPr>
               <a:t>Person_Name</a:t>
             </a:r>
             <a:r>
-              <a:rPr lang="en-US" b="1" dirty="0"/>
+              <a:rPr lang="en-US" b="1" dirty="0">
+                <a:solidFill>
+                  <a:schemeClr val="tx1"/>
+                </a:solidFill>
+              </a:rPr>
               <a:t>),</a:t>
             </a:r>
           </a:p>
           <a:p>
             <a:r>
-              <a:rPr lang="en-US" b="1" dirty="0"/>
+              <a:rPr lang="en-US" b="1" dirty="0">
+                <a:solidFill>
+                  <a:schemeClr val="tx1"/>
+                </a:solidFill>
+              </a:rPr>
               <a:t> </a:t>
             </a:r>
             <a:r>
-              <a:rPr lang="en-US" b="1" dirty="0" err="1"/>
+              <a:rPr lang="en-US" b="1" dirty="0" err="1">
+                <a:solidFill>
+                  <a:schemeClr val="tx1"/>
+                </a:solidFill>
+              </a:rPr>
               <a:t>PhoneNumber</a:t>
             </a:r>
             <a:r>
-              <a:rPr lang="en-US" b="1" dirty="0"/>
+              <a:rPr lang="en-US" b="1" dirty="0">
+                <a:solidFill>
+                  <a:schemeClr val="tx1"/>
+                </a:solidFill>
+              </a:rPr>
               <a:t> Numeric not null references People (</a:t>
             </a:r>
             <a:r>
-              <a:rPr lang="en-US" b="1" dirty="0" err="1"/>
+              <a:rPr lang="en-US" b="1" dirty="0" err="1">
+                <a:solidFill>
+                  <a:schemeClr val="tx1"/>
+                </a:solidFill>
+              </a:rPr>
               <a:t>PhoneNumber</a:t>
             </a:r>
             <a:r>
-              <a:rPr lang="en-US" b="1" dirty="0"/>
+              <a:rPr lang="en-US" b="1" dirty="0">
+                <a:solidFill>
+                  <a:schemeClr val="tx1"/>
+                </a:solidFill>
+              </a:rPr>
               <a:t>),</a:t>
             </a:r>
           </a:p>
           <a:p>
             <a:r>
-              <a:rPr lang="en-US" b="1" dirty="0"/>
+              <a:rPr lang="en-US" b="1" dirty="0">
+                <a:solidFill>
+                  <a:schemeClr val="tx1"/>
+                </a:solidFill>
+              </a:rPr>
               <a:t>PRIMARY KEY ( </a:t>
             </a:r>
             <a:r>
-              <a:rPr lang="en-US" b="1" dirty="0" err="1"/>
+              <a:rPr lang="en-US" b="1" dirty="0" err="1">
+                <a:solidFill>
+                  <a:schemeClr val="tx1"/>
+                </a:solidFill>
+              </a:rPr>
               <a:t>Dispatch_Name</a:t>
             </a:r>
             <a:r>
-              <a:rPr lang="en-US" b="1" dirty="0"/>
+              <a:rPr lang="en-US" b="1" dirty="0">
+                <a:solidFill>
+                  <a:schemeClr val="tx1"/>
+                </a:solidFill>
+              </a:rPr>
               <a:t> ),  </a:t>
             </a:r>
           </a:p>
           <a:p>
             <a:r>
-              <a:rPr lang="en-US" b="1" dirty="0"/>
+              <a:rPr lang="en-US" b="1" dirty="0">
+                <a:solidFill>
+                  <a:schemeClr val="tx1"/>
+                </a:solidFill>
+              </a:rPr>
               <a:t>FOREIGN KEY ( </a:t>
             </a:r>
             <a:r>
-              <a:rPr lang="en-US" b="1" dirty="0" err="1"/>
+              <a:rPr lang="en-US" b="1" dirty="0" err="1">
+                <a:solidFill>
+                  <a:schemeClr val="tx1"/>
+                </a:solidFill>
+              </a:rPr>
               <a:t>Dispatch_ID</a:t>
             </a:r>
             <a:r>
-              <a:rPr lang="en-US" b="1" dirty="0"/>
+              <a:rPr lang="en-US" b="1" dirty="0">
+                <a:solidFill>
+                  <a:schemeClr val="tx1"/>
+                </a:solidFill>
+              </a:rPr>
               <a:t> ) references People (PID)</a:t>
             </a:r>
           </a:p>
           <a:p>
             <a:r>
-              <a:rPr lang="en-US" b="1" dirty="0"/>
+              <a:rPr lang="en-US" b="1" dirty="0">
+                <a:solidFill>
+                  <a:schemeClr val="tx1"/>
+                </a:solidFill>
+              </a:rPr>
               <a:t>);</a:t>
             </a:r>
           </a:p>
           <a:p>
-            <a:endParaRPr lang="en-US" b="1" dirty="0"/>
+            <a:endParaRPr lang="en-US" b="1" dirty="0">
+              <a:solidFill>
+                <a:schemeClr val="tx1"/>
+              </a:solidFill>
+            </a:endParaRPr>
           </a:p>
         </p:txBody>
       </p:sp>
@@ -14299,146 +14476,270 @@
           <a:lstStyle/>
           <a:p>
             <a:r>
-              <a:rPr lang="en-US" b="1" dirty="0"/>
+              <a:rPr lang="en-US" b="1" dirty="0">
+                <a:solidFill>
+                  <a:schemeClr val="tx1"/>
+                </a:solidFill>
+              </a:rPr>
               <a:t>CREATE TABLE  </a:t>
             </a:r>
             <a:r>
-              <a:rPr lang="en-US" b="1" dirty="0" err="1"/>
+              <a:rPr lang="en-US" b="1" dirty="0" err="1">
+                <a:solidFill>
+                  <a:schemeClr val="tx1"/>
+                </a:solidFill>
+              </a:rPr>
               <a:t>Call_Received</a:t>
             </a:r>
             <a:r>
-              <a:rPr lang="en-US" b="1" dirty="0"/>
+              <a:rPr lang="en-US" b="1" dirty="0">
+                <a:solidFill>
+                  <a:schemeClr val="tx1"/>
+                </a:solidFill>
+              </a:rPr>
               <a:t>(  </a:t>
             </a:r>
           </a:p>
           <a:p>
             <a:r>
-              <a:rPr lang="en-US" b="1" dirty="0"/>
+              <a:rPr lang="en-US" b="1" dirty="0">
+                <a:solidFill>
+                  <a:schemeClr val="tx1"/>
+                </a:solidFill>
+              </a:rPr>
               <a:t> </a:t>
             </a:r>
             <a:r>
-              <a:rPr lang="en-US" b="1" dirty="0" err="1"/>
+              <a:rPr lang="en-US" b="1" dirty="0" err="1">
+                <a:solidFill>
+                  <a:schemeClr val="tx1"/>
+                </a:solidFill>
+              </a:rPr>
               <a:t>PickupAddress</a:t>
             </a:r>
             <a:r>
-              <a:rPr lang="en-US" b="1" dirty="0"/>
+              <a:rPr lang="en-US" b="1" dirty="0">
+                <a:solidFill>
+                  <a:schemeClr val="tx1"/>
+                </a:solidFill>
+              </a:rPr>
               <a:t>  Text,</a:t>
             </a:r>
           </a:p>
           <a:p>
             <a:r>
-              <a:rPr lang="en-US" b="1" dirty="0"/>
+              <a:rPr lang="en-US" b="1" dirty="0">
+                <a:solidFill>
+                  <a:schemeClr val="tx1"/>
+                </a:solidFill>
+              </a:rPr>
               <a:t> </a:t>
             </a:r>
             <a:r>
-              <a:rPr lang="en-US" b="1" dirty="0" err="1"/>
+              <a:rPr lang="en-US" b="1" dirty="0" err="1">
+                <a:solidFill>
+                  <a:schemeClr val="tx1"/>
+                </a:solidFill>
+              </a:rPr>
               <a:t>Cust_IDR</a:t>
             </a:r>
             <a:r>
-              <a:rPr lang="en-US" b="1" dirty="0"/>
+              <a:rPr lang="en-US" b="1" dirty="0">
+                <a:solidFill>
+                  <a:schemeClr val="tx1"/>
+                </a:solidFill>
+              </a:rPr>
               <a:t>  Numeric,</a:t>
             </a:r>
           </a:p>
           <a:p>
             <a:r>
-              <a:rPr lang="en-US" b="1" dirty="0"/>
+              <a:rPr lang="en-US" b="1" dirty="0">
+                <a:solidFill>
+                  <a:schemeClr val="tx1"/>
+                </a:solidFill>
+              </a:rPr>
               <a:t> Destination  Text,</a:t>
             </a:r>
           </a:p>
           <a:p>
             <a:r>
-              <a:rPr lang="en-US" b="1" dirty="0"/>
+              <a:rPr lang="en-US" b="1" dirty="0">
+                <a:solidFill>
+                  <a:schemeClr val="tx1"/>
+                </a:solidFill>
+              </a:rPr>
               <a:t> </a:t>
             </a:r>
             <a:r>
-              <a:rPr lang="en-US" b="1" dirty="0" err="1"/>
+              <a:rPr lang="en-US" b="1" dirty="0" err="1">
+                <a:solidFill>
+                  <a:schemeClr val="tx1"/>
+                </a:solidFill>
+              </a:rPr>
               <a:t>CostUSD</a:t>
             </a:r>
             <a:r>
-              <a:rPr lang="en-US" b="1" dirty="0"/>
+              <a:rPr lang="en-US" b="1" dirty="0">
+                <a:solidFill>
+                  <a:schemeClr val="tx1"/>
+                </a:solidFill>
+              </a:rPr>
               <a:t>  Numeric,</a:t>
             </a:r>
           </a:p>
           <a:p>
             <a:r>
-              <a:rPr lang="en-US" b="1" dirty="0"/>
+              <a:rPr lang="en-US" b="1" dirty="0">
+                <a:solidFill>
+                  <a:schemeClr val="tx1"/>
+                </a:solidFill>
+              </a:rPr>
               <a:t> </a:t>
             </a:r>
             <a:r>
-              <a:rPr lang="en-US" b="1" dirty="0" err="1"/>
+              <a:rPr lang="en-US" b="1" dirty="0" err="1">
+                <a:solidFill>
+                  <a:schemeClr val="tx1"/>
+                </a:solidFill>
+              </a:rPr>
               <a:t>Trip_IDR</a:t>
             </a:r>
             <a:r>
-              <a:rPr lang="en-US" b="1" dirty="0"/>
+              <a:rPr lang="en-US" b="1" dirty="0">
+                <a:solidFill>
+                  <a:schemeClr val="tx1"/>
+                </a:solidFill>
+              </a:rPr>
               <a:t>  Text,</a:t>
             </a:r>
           </a:p>
           <a:p>
             <a:r>
-              <a:rPr lang="en-US" b="1" dirty="0"/>
+              <a:rPr lang="en-US" b="1" dirty="0">
+                <a:solidFill>
+                  <a:schemeClr val="tx1"/>
+                </a:solidFill>
+              </a:rPr>
               <a:t>PRIMARY KEY ( </a:t>
             </a:r>
             <a:r>
-              <a:rPr lang="en-US" b="1" dirty="0" err="1"/>
+              <a:rPr lang="en-US" b="1" dirty="0" err="1">
+                <a:solidFill>
+                  <a:schemeClr val="tx1"/>
+                </a:solidFill>
+              </a:rPr>
               <a:t>CostUSD</a:t>
             </a:r>
             <a:r>
-              <a:rPr lang="en-US" b="1" dirty="0"/>
+              <a:rPr lang="en-US" b="1" dirty="0">
+                <a:solidFill>
+                  <a:schemeClr val="tx1"/>
+                </a:solidFill>
+              </a:rPr>
               <a:t> ),</a:t>
             </a:r>
           </a:p>
           <a:p>
             <a:r>
-              <a:rPr lang="en-US" b="1" dirty="0"/>
+              <a:rPr lang="en-US" b="1" dirty="0">
+                <a:solidFill>
+                  <a:schemeClr val="tx1"/>
+                </a:solidFill>
+              </a:rPr>
               <a:t>FOREIGN KEY ( </a:t>
             </a:r>
             <a:r>
-              <a:rPr lang="en-US" b="1" dirty="0" err="1"/>
+              <a:rPr lang="en-US" b="1" dirty="0" err="1">
+                <a:solidFill>
+                  <a:schemeClr val="tx1"/>
+                </a:solidFill>
+              </a:rPr>
               <a:t>Cust_IDR</a:t>
             </a:r>
             <a:r>
-              <a:rPr lang="en-US" b="1" dirty="0"/>
+              <a:rPr lang="en-US" b="1" dirty="0">
+                <a:solidFill>
+                  <a:schemeClr val="tx1"/>
+                </a:solidFill>
+              </a:rPr>
               <a:t> ) references Customer(</a:t>
             </a:r>
             <a:r>
-              <a:rPr lang="en-US" b="1" dirty="0" err="1"/>
+              <a:rPr lang="en-US" b="1" dirty="0" err="1">
+                <a:solidFill>
+                  <a:schemeClr val="tx1"/>
+                </a:solidFill>
+              </a:rPr>
               <a:t>Cust_ID</a:t>
             </a:r>
             <a:r>
-              <a:rPr lang="en-US" b="1" dirty="0"/>
+              <a:rPr lang="en-US" b="1" dirty="0">
+                <a:solidFill>
+                  <a:schemeClr val="tx1"/>
+                </a:solidFill>
+              </a:rPr>
               <a:t>),  </a:t>
             </a:r>
           </a:p>
           <a:p>
             <a:r>
-              <a:rPr lang="en-US" b="1" dirty="0"/>
+              <a:rPr lang="en-US" b="1" dirty="0">
+                <a:solidFill>
+                  <a:schemeClr val="tx1"/>
+                </a:solidFill>
+              </a:rPr>
               <a:t>FOREIGN KEY ( </a:t>
             </a:r>
             <a:r>
-              <a:rPr lang="en-US" b="1" dirty="0" err="1"/>
+              <a:rPr lang="en-US" b="1" dirty="0" err="1">
+                <a:solidFill>
+                  <a:schemeClr val="tx1"/>
+                </a:solidFill>
+              </a:rPr>
               <a:t>Trip_IDR</a:t>
             </a:r>
             <a:r>
-              <a:rPr lang="en-US" b="1" dirty="0"/>
+              <a:rPr lang="en-US" b="1" dirty="0">
+                <a:solidFill>
+                  <a:schemeClr val="tx1"/>
+                </a:solidFill>
+              </a:rPr>
               <a:t> ) references Drivers(</a:t>
             </a:r>
             <a:r>
-              <a:rPr lang="en-US" b="1" dirty="0" err="1"/>
+              <a:rPr lang="en-US" b="1" dirty="0" err="1">
+                <a:solidFill>
+                  <a:schemeClr val="tx1"/>
+                </a:solidFill>
+              </a:rPr>
               <a:t>Trip_ID</a:t>
             </a:r>
             <a:r>
-              <a:rPr lang="en-US" b="1" dirty="0"/>
+              <a:rPr lang="en-US" b="1" dirty="0">
+                <a:solidFill>
+                  <a:schemeClr val="tx1"/>
+                </a:solidFill>
+              </a:rPr>
               <a:t>)</a:t>
             </a:r>
           </a:p>
           <a:p>
             <a:r>
-              <a:rPr lang="en-US" b="1" dirty="0"/>
+              <a:rPr lang="en-US" b="1" dirty="0">
+                <a:solidFill>
+                  <a:schemeClr val="tx1"/>
+                </a:solidFill>
+              </a:rPr>
               <a:t>);</a:t>
             </a:r>
           </a:p>
           <a:p>
-            <a:endParaRPr lang="en-US" b="1" dirty="0"/>
+            <a:endParaRPr lang="en-US" b="1" dirty="0">
+              <a:solidFill>
+                <a:schemeClr val="tx1"/>
+              </a:solidFill>
+            </a:endParaRPr>
           </a:p>
         </p:txBody>
       </p:sp>
@@ -14741,78 +15042,138 @@
           <a:lstStyle/>
           <a:p>
             <a:r>
-              <a:rPr lang="en-US" b="1" dirty="0"/>
+              <a:rPr lang="en-US" b="1" dirty="0">
+                <a:solidFill>
+                  <a:schemeClr val="tx1"/>
+                </a:solidFill>
+              </a:rPr>
               <a:t>CREATE TABLE  Cars(</a:t>
             </a:r>
           </a:p>
           <a:p>
             <a:r>
-              <a:rPr lang="en-US" b="1" dirty="0"/>
+              <a:rPr lang="en-US" b="1" dirty="0">
+                <a:solidFill>
+                  <a:schemeClr val="tx1"/>
+                </a:solidFill>
+              </a:rPr>
               <a:t> </a:t>
             </a:r>
             <a:r>
-              <a:rPr lang="en-US" b="1" dirty="0" err="1"/>
+              <a:rPr lang="en-US" b="1" dirty="0" err="1">
+                <a:solidFill>
+                  <a:schemeClr val="tx1"/>
+                </a:solidFill>
+              </a:rPr>
               <a:t>CarNumber</a:t>
             </a:r>
             <a:r>
-              <a:rPr lang="en-US" b="1" dirty="0"/>
+              <a:rPr lang="en-US" b="1" dirty="0">
+                <a:solidFill>
+                  <a:schemeClr val="tx1"/>
+                </a:solidFill>
+              </a:rPr>
               <a:t>  Integer,</a:t>
             </a:r>
           </a:p>
           <a:p>
             <a:r>
-              <a:rPr lang="en-US" b="1" dirty="0"/>
+              <a:rPr lang="en-US" b="1" dirty="0">
+                <a:solidFill>
+                  <a:schemeClr val="tx1"/>
+                </a:solidFill>
+              </a:rPr>
               <a:t> </a:t>
             </a:r>
             <a:r>
-              <a:rPr lang="en-US" b="1" dirty="0" err="1"/>
+              <a:rPr lang="en-US" b="1" dirty="0" err="1">
+                <a:solidFill>
+                  <a:schemeClr val="tx1"/>
+                </a:solidFill>
+              </a:rPr>
               <a:t>PlateNumber</a:t>
             </a:r>
             <a:r>
-              <a:rPr lang="en-US" b="1" dirty="0"/>
+              <a:rPr lang="en-US" b="1" dirty="0">
+                <a:solidFill>
+                  <a:schemeClr val="tx1"/>
+                </a:solidFill>
+              </a:rPr>
               <a:t>  Text,</a:t>
             </a:r>
           </a:p>
           <a:p>
             <a:r>
-              <a:rPr lang="en-US" b="1" dirty="0"/>
+              <a:rPr lang="en-US" b="1" dirty="0">
+                <a:solidFill>
+                  <a:schemeClr val="tx1"/>
+                </a:solidFill>
+              </a:rPr>
               <a:t> Make  Text,</a:t>
             </a:r>
           </a:p>
           <a:p>
             <a:r>
-              <a:rPr lang="en-US" b="1" dirty="0"/>
+              <a:rPr lang="en-US" b="1" dirty="0">
+                <a:solidFill>
+                  <a:schemeClr val="tx1"/>
+                </a:solidFill>
+              </a:rPr>
               <a:t> Model  Text,</a:t>
             </a:r>
           </a:p>
           <a:p>
             <a:r>
-              <a:rPr lang="en-US" b="1" dirty="0"/>
+              <a:rPr lang="en-US" b="1" dirty="0">
+                <a:solidFill>
+                  <a:schemeClr val="tx1"/>
+                </a:solidFill>
+              </a:rPr>
               <a:t> VIN  Text,  </a:t>
             </a:r>
           </a:p>
           <a:p>
             <a:r>
-              <a:rPr lang="en-US" b="1" dirty="0"/>
+              <a:rPr lang="en-US" b="1" dirty="0">
+                <a:solidFill>
+                  <a:schemeClr val="tx1"/>
+                </a:solidFill>
+              </a:rPr>
               <a:t>PRIMARY KEY ( </a:t>
             </a:r>
             <a:r>
-              <a:rPr lang="en-US" b="1" dirty="0" err="1"/>
+              <a:rPr lang="en-US" b="1" dirty="0" err="1">
+                <a:solidFill>
+                  <a:schemeClr val="tx1"/>
+                </a:solidFill>
+              </a:rPr>
               <a:t>CarNumber</a:t>
             </a:r>
             <a:r>
-              <a:rPr lang="en-US" b="1" dirty="0"/>
+              <a:rPr lang="en-US" b="1" dirty="0">
+                <a:solidFill>
+                  <a:schemeClr val="tx1"/>
+                </a:solidFill>
+              </a:rPr>
               <a:t> )</a:t>
             </a:r>
           </a:p>
           <a:p>
             <a:r>
-              <a:rPr lang="en-US" b="1" dirty="0"/>
+              <a:rPr lang="en-US" b="1" dirty="0">
+                <a:solidFill>
+                  <a:schemeClr val="tx1"/>
+                </a:solidFill>
+              </a:rPr>
               <a:t>);</a:t>
             </a:r>
           </a:p>
           <a:p>
-            <a:endParaRPr lang="en-US" b="1" dirty="0"/>
+            <a:endParaRPr lang="en-US" b="1" dirty="0">
+              <a:solidFill>
+                <a:schemeClr val="tx1"/>
+              </a:solidFill>
+            </a:endParaRPr>
           </a:p>
         </p:txBody>
       </p:sp>
@@ -14898,198 +15259,374 @@
           </a:bodyPr>
           <a:lstStyle/>
           <a:p>
-            <a:endParaRPr lang="en-US" b="1" dirty="0"/>
-          </a:p>
-          <a:p>
-            <a:r>
-              <a:rPr lang="en-US" b="1" dirty="0"/>
+            <a:endParaRPr lang="en-US" b="1" dirty="0">
+              <a:solidFill>
+                <a:schemeClr val="tx1"/>
+              </a:solidFill>
+            </a:endParaRPr>
+          </a:p>
+          <a:p>
+            <a:r>
+              <a:rPr lang="en-US" b="1" dirty="0">
+                <a:solidFill>
+                  <a:schemeClr val="tx1"/>
+                </a:solidFill>
+              </a:rPr>
               <a:t>CREATE TABLE  </a:t>
             </a:r>
             <a:r>
-              <a:rPr lang="en-US" b="1" dirty="0" err="1"/>
+              <a:rPr lang="en-US" b="1" dirty="0" err="1">
+                <a:solidFill>
+                  <a:schemeClr val="tx1"/>
+                </a:solidFill>
+              </a:rPr>
               <a:t>Fares_Trips</a:t>
             </a:r>
             <a:r>
-              <a:rPr lang="en-US" b="1" dirty="0"/>
+              <a:rPr lang="en-US" b="1" dirty="0">
+                <a:solidFill>
+                  <a:schemeClr val="tx1"/>
+                </a:solidFill>
+              </a:rPr>
               <a:t>(</a:t>
             </a:r>
           </a:p>
           <a:p>
             <a:r>
-              <a:rPr lang="en-US" b="1" dirty="0"/>
+              <a:rPr lang="en-US" b="1" dirty="0">
+                <a:solidFill>
+                  <a:schemeClr val="tx1"/>
+                </a:solidFill>
+              </a:rPr>
               <a:t> </a:t>
             </a:r>
             <a:r>
-              <a:rPr lang="en-US" b="1" dirty="0" err="1"/>
+              <a:rPr lang="en-US" b="1" dirty="0" err="1">
+                <a:solidFill>
+                  <a:schemeClr val="tx1"/>
+                </a:solidFill>
+              </a:rPr>
               <a:t>TripNumber</a:t>
             </a:r>
             <a:r>
-              <a:rPr lang="en-US" b="1" dirty="0"/>
+              <a:rPr lang="en-US" b="1" dirty="0">
+                <a:solidFill>
+                  <a:schemeClr val="tx1"/>
+                </a:solidFill>
+              </a:rPr>
               <a:t>  Integer,</a:t>
             </a:r>
           </a:p>
           <a:p>
             <a:r>
-              <a:rPr lang="en-US" b="1" dirty="0"/>
+              <a:rPr lang="en-US" b="1" dirty="0">
+                <a:solidFill>
+                  <a:schemeClr val="tx1"/>
+                </a:solidFill>
+              </a:rPr>
               <a:t> </a:t>
             </a:r>
             <a:r>
-              <a:rPr lang="en-US" b="1" dirty="0" err="1"/>
+              <a:rPr lang="en-US" b="1" dirty="0" err="1">
+                <a:solidFill>
+                  <a:schemeClr val="tx1"/>
+                </a:solidFill>
+              </a:rPr>
               <a:t>Driver_IDZ</a:t>
             </a:r>
             <a:r>
-              <a:rPr lang="en-US" b="1" dirty="0"/>
+              <a:rPr lang="en-US" b="1" dirty="0">
+                <a:solidFill>
+                  <a:schemeClr val="tx1"/>
+                </a:solidFill>
+              </a:rPr>
               <a:t>   Numeric not null references Drivers(</a:t>
             </a:r>
             <a:r>
-              <a:rPr lang="en-US" b="1" dirty="0" err="1"/>
+              <a:rPr lang="en-US" b="1" dirty="0" err="1">
+                <a:solidFill>
+                  <a:schemeClr val="tx1"/>
+                </a:solidFill>
+              </a:rPr>
               <a:t>Driver_ID</a:t>
             </a:r>
             <a:r>
-              <a:rPr lang="en-US" b="1" dirty="0"/>
+              <a:rPr lang="en-US" b="1" dirty="0">
+                <a:solidFill>
+                  <a:schemeClr val="tx1"/>
+                </a:solidFill>
+              </a:rPr>
               <a:t>),</a:t>
             </a:r>
           </a:p>
           <a:p>
             <a:r>
-              <a:rPr lang="en-US" b="1" dirty="0"/>
+              <a:rPr lang="en-US" b="1" dirty="0">
+                <a:solidFill>
+                  <a:schemeClr val="tx1"/>
+                </a:solidFill>
+              </a:rPr>
               <a:t> </a:t>
             </a:r>
             <a:r>
-              <a:rPr lang="en-US" b="1" dirty="0" err="1"/>
+              <a:rPr lang="en-US" b="1" dirty="0" err="1">
+                <a:solidFill>
+                  <a:schemeClr val="tx1"/>
+                </a:solidFill>
+              </a:rPr>
               <a:t>Cust_IDZ</a:t>
             </a:r>
             <a:r>
-              <a:rPr lang="en-US" b="1" dirty="0"/>
+              <a:rPr lang="en-US" b="1" dirty="0">
+                <a:solidFill>
+                  <a:schemeClr val="tx1"/>
+                </a:solidFill>
+              </a:rPr>
               <a:t>  Numeric not null references Customer(</a:t>
             </a:r>
             <a:r>
-              <a:rPr lang="en-US" b="1" dirty="0" err="1"/>
+              <a:rPr lang="en-US" b="1" dirty="0" err="1">
+                <a:solidFill>
+                  <a:schemeClr val="tx1"/>
+                </a:solidFill>
+              </a:rPr>
               <a:t>Cust_ID</a:t>
             </a:r>
             <a:r>
-              <a:rPr lang="en-US" b="1" dirty="0"/>
+              <a:rPr lang="en-US" b="1" dirty="0">
+                <a:solidFill>
+                  <a:schemeClr val="tx1"/>
+                </a:solidFill>
+              </a:rPr>
               <a:t>),</a:t>
             </a:r>
           </a:p>
           <a:p>
             <a:r>
-              <a:rPr lang="en-US" b="1" dirty="0"/>
+              <a:rPr lang="en-US" b="1" dirty="0">
+                <a:solidFill>
+                  <a:schemeClr val="tx1"/>
+                </a:solidFill>
+              </a:rPr>
               <a:t> </a:t>
             </a:r>
             <a:r>
-              <a:rPr lang="en-US" b="1" dirty="0" err="1"/>
+              <a:rPr lang="en-US" b="1" dirty="0" err="1">
+                <a:solidFill>
+                  <a:schemeClr val="tx1"/>
+                </a:solidFill>
+              </a:rPr>
               <a:t>Trip_IDZ</a:t>
             </a:r>
             <a:r>
-              <a:rPr lang="en-US" b="1" dirty="0"/>
+              <a:rPr lang="en-US" b="1" dirty="0">
+                <a:solidFill>
+                  <a:schemeClr val="tx1"/>
+                </a:solidFill>
+              </a:rPr>
               <a:t>  Text not null references </a:t>
             </a:r>
             <a:r>
-              <a:rPr lang="en-US" b="1" dirty="0" err="1"/>
+              <a:rPr lang="en-US" b="1" dirty="0" err="1">
+                <a:solidFill>
+                  <a:schemeClr val="tx1"/>
+                </a:solidFill>
+              </a:rPr>
               <a:t>Call_Received</a:t>
             </a:r>
             <a:r>
-              <a:rPr lang="en-US" b="1" dirty="0"/>
+              <a:rPr lang="en-US" b="1" dirty="0">
+                <a:solidFill>
+                  <a:schemeClr val="tx1"/>
+                </a:solidFill>
+              </a:rPr>
               <a:t>(</a:t>
             </a:r>
             <a:r>
-              <a:rPr lang="en-US" b="1" dirty="0" err="1"/>
+              <a:rPr lang="en-US" b="1" dirty="0" err="1">
+                <a:solidFill>
+                  <a:schemeClr val="tx1"/>
+                </a:solidFill>
+              </a:rPr>
               <a:t>Trip_ID</a:t>
             </a:r>
             <a:r>
-              <a:rPr lang="en-US" b="1" dirty="0"/>
+              <a:rPr lang="en-US" b="1" dirty="0">
+                <a:solidFill>
+                  <a:schemeClr val="tx1"/>
+                </a:solidFill>
+              </a:rPr>
               <a:t>),</a:t>
             </a:r>
           </a:p>
           <a:p>
             <a:r>
-              <a:rPr lang="en-US" b="1" dirty="0"/>
+              <a:rPr lang="en-US" b="1" dirty="0">
+                <a:solidFill>
+                  <a:schemeClr val="tx1"/>
+                </a:solidFill>
+              </a:rPr>
               <a:t> </a:t>
             </a:r>
             <a:r>
-              <a:rPr lang="en-US" b="1" dirty="0" err="1"/>
+              <a:rPr lang="en-US" b="1" dirty="0" err="1">
+                <a:solidFill>
+                  <a:schemeClr val="tx1"/>
+                </a:solidFill>
+              </a:rPr>
               <a:t>CarNumberZ</a:t>
             </a:r>
             <a:r>
-              <a:rPr lang="en-US" b="1" dirty="0"/>
+              <a:rPr lang="en-US" b="1" dirty="0">
+                <a:solidFill>
+                  <a:schemeClr val="tx1"/>
+                </a:solidFill>
+              </a:rPr>
               <a:t>  Integer not null references Cars(</a:t>
             </a:r>
             <a:r>
-              <a:rPr lang="en-US" b="1" dirty="0" err="1"/>
+              <a:rPr lang="en-US" b="1" dirty="0" err="1">
+                <a:solidFill>
+                  <a:schemeClr val="tx1"/>
+                </a:solidFill>
+              </a:rPr>
               <a:t>CarNumber</a:t>
             </a:r>
             <a:r>
-              <a:rPr lang="en-US" b="1" dirty="0"/>
+              <a:rPr lang="en-US" b="1" dirty="0">
+                <a:solidFill>
+                  <a:schemeClr val="tx1"/>
+                </a:solidFill>
+              </a:rPr>
               <a:t>),</a:t>
             </a:r>
           </a:p>
           <a:p>
             <a:r>
-              <a:rPr lang="en-US" b="1" dirty="0"/>
+              <a:rPr lang="en-US" b="1" dirty="0">
+                <a:solidFill>
+                  <a:schemeClr val="tx1"/>
+                </a:solidFill>
+              </a:rPr>
               <a:t> </a:t>
             </a:r>
             <a:r>
-              <a:rPr lang="en-US" b="1" dirty="0" err="1"/>
+              <a:rPr lang="en-US" b="1" dirty="0" err="1">
+                <a:solidFill>
+                  <a:schemeClr val="tx1"/>
+                </a:solidFill>
+              </a:rPr>
               <a:t>Trip_Date</a:t>
             </a:r>
             <a:r>
-              <a:rPr lang="en-US" b="1" dirty="0"/>
+              <a:rPr lang="en-US" b="1" dirty="0">
+                <a:solidFill>
+                  <a:schemeClr val="tx1"/>
+                </a:solidFill>
+              </a:rPr>
               <a:t>  Date,</a:t>
             </a:r>
           </a:p>
           <a:p>
             <a:r>
-              <a:rPr lang="en-US" b="1" dirty="0"/>
+              <a:rPr lang="en-US" b="1" dirty="0">
+                <a:solidFill>
+                  <a:schemeClr val="tx1"/>
+                </a:solidFill>
+              </a:rPr>
               <a:t> </a:t>
             </a:r>
             <a:r>
-              <a:rPr lang="en-US" b="1" dirty="0" err="1"/>
+              <a:rPr lang="en-US" b="1" dirty="0" err="1">
+                <a:solidFill>
+                  <a:schemeClr val="tx1"/>
+                </a:solidFill>
+              </a:rPr>
               <a:t>CostUSDZ</a:t>
             </a:r>
             <a:r>
-              <a:rPr lang="en-US" b="1" dirty="0"/>
+              <a:rPr lang="en-US" b="1" dirty="0">
+                <a:solidFill>
+                  <a:schemeClr val="tx1"/>
+                </a:solidFill>
+              </a:rPr>
               <a:t>  Numeric not null references </a:t>
             </a:r>
             <a:r>
-              <a:rPr lang="en-US" b="1" dirty="0" err="1"/>
+              <a:rPr lang="en-US" b="1" dirty="0" err="1">
+                <a:solidFill>
+                  <a:schemeClr val="tx1"/>
+                </a:solidFill>
+              </a:rPr>
               <a:t>Call_Received</a:t>
             </a:r>
             <a:r>
-              <a:rPr lang="en-US" b="1" dirty="0"/>
+              <a:rPr lang="en-US" b="1" dirty="0">
+                <a:solidFill>
+                  <a:schemeClr val="tx1"/>
+                </a:solidFill>
+              </a:rPr>
               <a:t>(</a:t>
             </a:r>
             <a:r>
-              <a:rPr lang="en-US" b="1" dirty="0" err="1"/>
+              <a:rPr lang="en-US" b="1" dirty="0" err="1">
+                <a:solidFill>
+                  <a:schemeClr val="tx1"/>
+                </a:solidFill>
+              </a:rPr>
               <a:t>CostUSD</a:t>
             </a:r>
             <a:r>
-              <a:rPr lang="en-US" b="1" dirty="0"/>
+              <a:rPr lang="en-US" b="1" dirty="0">
+                <a:solidFill>
+                  <a:schemeClr val="tx1"/>
+                </a:solidFill>
+              </a:rPr>
               <a:t>),</a:t>
             </a:r>
           </a:p>
           <a:p>
             <a:r>
-              <a:rPr lang="en-US" b="1" dirty="0"/>
+              <a:rPr lang="en-US" b="1" dirty="0">
+                <a:solidFill>
+                  <a:schemeClr val="tx1"/>
+                </a:solidFill>
+              </a:rPr>
               <a:t>PRIMARY KEY ( </a:t>
             </a:r>
             <a:r>
-              <a:rPr lang="en-US" b="1" dirty="0" err="1"/>
+              <a:rPr lang="en-US" b="1" dirty="0" err="1">
+                <a:solidFill>
+                  <a:schemeClr val="tx1"/>
+                </a:solidFill>
+              </a:rPr>
               <a:t>TripNumber</a:t>
             </a:r>
             <a:r>
-              <a:rPr lang="en-US" b="1" dirty="0"/>
+              <a:rPr lang="en-US" b="1" dirty="0">
+                <a:solidFill>
+                  <a:schemeClr val="tx1"/>
+                </a:solidFill>
+              </a:rPr>
               <a:t> )</a:t>
             </a:r>
           </a:p>
           <a:p>
             <a:r>
-              <a:rPr lang="en-US" b="1" dirty="0"/>
+              <a:rPr lang="en-US" b="1" dirty="0">
+                <a:solidFill>
+                  <a:schemeClr val="tx1"/>
+                </a:solidFill>
+              </a:rPr>
               <a:t>);</a:t>
             </a:r>
           </a:p>
           <a:p>
-            <a:endParaRPr lang="en-US" b="1" dirty="0"/>
+            <a:endParaRPr lang="en-US" b="1" dirty="0">
+              <a:solidFill>
+                <a:schemeClr val="tx1"/>
+              </a:solidFill>
+            </a:endParaRPr>
           </a:p>
         </p:txBody>
       </p:sp>
@@ -15138,7 +15675,14 @@
           <a:bodyPr/>
           <a:lstStyle/>
           <a:p>
-            <a:endParaRPr lang="en-US"/>
+            <a:r>
+              <a:rPr lang="en-US" i="1" dirty="0">
+                <a:solidFill>
+                  <a:srgbClr val="FD7F31"/>
+                </a:solidFill>
+              </a:rPr>
+              <a:t>Insert Into Statements</a:t>
+            </a:r>
           </a:p>
         </p:txBody>
       </p:sp>
@@ -15152,14 +15696,361 @@
             <p:ph idx="1"/>
           </p:nvPr>
         </p:nvSpPr>
-        <p:spPr/>
+        <p:spPr>
+          <a:xfrm>
+            <a:off x="555585" y="2338086"/>
+            <a:ext cx="9360782" cy="4386804"/>
+          </a:xfrm>
+        </p:spPr>
         <p:txBody>
           <a:bodyPr>
-            <a:normAutofit/>
+            <a:normAutofit fontScale="92500" lnSpcReduction="20000"/>
           </a:bodyPr>
           <a:lstStyle/>
           <a:p>
-            <a:endParaRPr lang="en-US" dirty="0"/>
+            <a:r>
+              <a:rPr lang="en-US" b="1" dirty="0">
+                <a:solidFill>
+                  <a:schemeClr val="tx1"/>
+                </a:solidFill>
+              </a:rPr>
+              <a:t>INSERT INTO People ( PID, </a:t>
+            </a:r>
+            <a:r>
+              <a:rPr lang="en-US" b="1" dirty="0" err="1">
+                <a:solidFill>
+                  <a:schemeClr val="tx1"/>
+                </a:solidFill>
+              </a:rPr>
+              <a:t>Person_Name</a:t>
+            </a:r>
+            <a:r>
+              <a:rPr lang="en-US" b="1" dirty="0">
+                <a:solidFill>
+                  <a:schemeClr val="tx1"/>
+                </a:solidFill>
+              </a:rPr>
+              <a:t>, </a:t>
+            </a:r>
+            <a:r>
+              <a:rPr lang="en-US" b="1" dirty="0" err="1">
+                <a:solidFill>
+                  <a:schemeClr val="tx1"/>
+                </a:solidFill>
+              </a:rPr>
+              <a:t>PhoneNumber</a:t>
+            </a:r>
+            <a:r>
+              <a:rPr lang="en-US" b="1" dirty="0">
+                <a:solidFill>
+                  <a:schemeClr val="tx1"/>
+                </a:solidFill>
+              </a:rPr>
+              <a:t>)</a:t>
+            </a:r>
+          </a:p>
+          <a:p>
+            <a:r>
+              <a:rPr lang="en-US" b="1" dirty="0">
+                <a:solidFill>
+                  <a:schemeClr val="tx1"/>
+                </a:solidFill>
+              </a:rPr>
+              <a:t>Values (001, '</a:t>
+            </a:r>
+            <a:r>
+              <a:rPr lang="en-US" b="1" dirty="0" err="1">
+                <a:solidFill>
+                  <a:schemeClr val="tx1"/>
+                </a:solidFill>
+              </a:rPr>
+              <a:t>Shaun_Miles</a:t>
+            </a:r>
+            <a:r>
+              <a:rPr lang="en-US" b="1" dirty="0">
+                <a:solidFill>
+                  <a:schemeClr val="tx1"/>
+                </a:solidFill>
+              </a:rPr>
+              <a:t>', 8452140203),</a:t>
+            </a:r>
+          </a:p>
+          <a:p>
+            <a:r>
+              <a:rPr lang="en-US" b="1" dirty="0">
+                <a:solidFill>
+                  <a:schemeClr val="tx1"/>
+                </a:solidFill>
+              </a:rPr>
+              <a:t>       (002, '</a:t>
+            </a:r>
+            <a:r>
+              <a:rPr lang="en-US" b="1" dirty="0" err="1">
+                <a:solidFill>
+                  <a:schemeClr val="tx1"/>
+                </a:solidFill>
+              </a:rPr>
+              <a:t>Joesph_Mehm</a:t>
+            </a:r>
+            <a:r>
+              <a:rPr lang="en-US" b="1" dirty="0">
+                <a:solidFill>
+                  <a:schemeClr val="tx1"/>
+                </a:solidFill>
+              </a:rPr>
+              <a:t>', 8455148982),</a:t>
+            </a:r>
+          </a:p>
+          <a:p>
+            <a:r>
+              <a:rPr lang="en-US" b="1" dirty="0">
+                <a:solidFill>
+                  <a:schemeClr val="tx1"/>
+                </a:solidFill>
+              </a:rPr>
+              <a:t>       (003, '</a:t>
+            </a:r>
+            <a:r>
+              <a:rPr lang="en-US" b="1" dirty="0" err="1">
+                <a:solidFill>
+                  <a:schemeClr val="tx1"/>
+                </a:solidFill>
+              </a:rPr>
+              <a:t>Max_Durocher</a:t>
+            </a:r>
+            <a:r>
+              <a:rPr lang="en-US" b="1" dirty="0">
+                <a:solidFill>
+                  <a:schemeClr val="tx1"/>
+                </a:solidFill>
+              </a:rPr>
+              <a:t>', 5553218294),</a:t>
+            </a:r>
+          </a:p>
+          <a:p>
+            <a:r>
+              <a:rPr lang="en-US" b="1" dirty="0">
+                <a:solidFill>
+                  <a:schemeClr val="tx1"/>
+                </a:solidFill>
+              </a:rPr>
+              <a:t>       (004, 'Vincent', 5552655283),</a:t>
+            </a:r>
+          </a:p>
+          <a:p>
+            <a:r>
+              <a:rPr lang="en-US" b="1" dirty="0">
+                <a:solidFill>
+                  <a:schemeClr val="tx1"/>
+                </a:solidFill>
+              </a:rPr>
+              <a:t>       (005, '</a:t>
+            </a:r>
+            <a:r>
+              <a:rPr lang="en-US" b="1" dirty="0" err="1">
+                <a:solidFill>
+                  <a:schemeClr val="tx1"/>
+                </a:solidFill>
+              </a:rPr>
+              <a:t>Louie_De_Palma</a:t>
+            </a:r>
+            <a:r>
+              <a:rPr lang="en-US" b="1" dirty="0">
+                <a:solidFill>
+                  <a:schemeClr val="tx1"/>
+                </a:solidFill>
+              </a:rPr>
+              <a:t>', 5558294222),</a:t>
+            </a:r>
+          </a:p>
+          <a:p>
+            <a:r>
+              <a:rPr lang="en-US" b="1" dirty="0">
+                <a:solidFill>
+                  <a:schemeClr val="tx1"/>
+                </a:solidFill>
+              </a:rPr>
+              <a:t>       (006, '</a:t>
+            </a:r>
+            <a:r>
+              <a:rPr lang="en-US" b="1" dirty="0" err="1">
+                <a:solidFill>
+                  <a:schemeClr val="tx1"/>
+                </a:solidFill>
+              </a:rPr>
+              <a:t>John_Carpenter</a:t>
+            </a:r>
+            <a:r>
+              <a:rPr lang="en-US" b="1" dirty="0">
+                <a:solidFill>
+                  <a:schemeClr val="tx1"/>
+                </a:solidFill>
+              </a:rPr>
+              <a:t>', 9142407438),</a:t>
+            </a:r>
+          </a:p>
+          <a:p>
+            <a:r>
+              <a:rPr lang="en-US" b="1" dirty="0">
+                <a:solidFill>
+                  <a:schemeClr val="tx1"/>
+                </a:solidFill>
+              </a:rPr>
+              <a:t>       (007, '</a:t>
+            </a:r>
+            <a:r>
+              <a:rPr lang="en-US" b="1" dirty="0" err="1">
+                <a:solidFill>
+                  <a:schemeClr val="tx1"/>
+                </a:solidFill>
+              </a:rPr>
+              <a:t>Alan_Labouseur</a:t>
+            </a:r>
+            <a:r>
+              <a:rPr lang="en-US" b="1" dirty="0">
+                <a:solidFill>
+                  <a:schemeClr val="tx1"/>
+                </a:solidFill>
+              </a:rPr>
+              <a:t>', 8455753000),</a:t>
+            </a:r>
+          </a:p>
+          <a:p>
+            <a:r>
+              <a:rPr lang="en-US" b="1" dirty="0">
+                <a:solidFill>
+                  <a:schemeClr val="tx1"/>
+                </a:solidFill>
+              </a:rPr>
+              <a:t>       (008, '</a:t>
+            </a:r>
+            <a:r>
+              <a:rPr lang="en-US" b="1" dirty="0" err="1">
+                <a:solidFill>
+                  <a:schemeClr val="tx1"/>
+                </a:solidFill>
+              </a:rPr>
+              <a:t>Sun_Jones</a:t>
+            </a:r>
+            <a:r>
+              <a:rPr lang="en-US" b="1" dirty="0">
+                <a:solidFill>
+                  <a:schemeClr val="tx1"/>
+                </a:solidFill>
+              </a:rPr>
+              <a:t>', 8452789362),</a:t>
+            </a:r>
+          </a:p>
+          <a:p>
+            <a:r>
+              <a:rPr lang="en-US" b="1" dirty="0">
+                <a:solidFill>
+                  <a:schemeClr val="tx1"/>
+                </a:solidFill>
+              </a:rPr>
+              <a:t>       (009, '</a:t>
+            </a:r>
+            <a:r>
+              <a:rPr lang="en-US" b="1" dirty="0" err="1">
+                <a:solidFill>
+                  <a:schemeClr val="tx1"/>
+                </a:solidFill>
+              </a:rPr>
+              <a:t>Shannon_Lee</a:t>
+            </a:r>
+            <a:r>
+              <a:rPr lang="en-US" b="1" dirty="0">
+                <a:solidFill>
+                  <a:schemeClr val="tx1"/>
+                </a:solidFill>
+              </a:rPr>
+              <a:t>', 8454791826),</a:t>
+            </a:r>
+          </a:p>
+          <a:p>
+            <a:r>
+              <a:rPr lang="en-US" b="1" dirty="0">
+                <a:solidFill>
+                  <a:schemeClr val="tx1"/>
+                </a:solidFill>
+              </a:rPr>
+              <a:t>       (010, '</a:t>
+            </a:r>
+            <a:r>
+              <a:rPr lang="en-US" b="1" dirty="0" err="1">
+                <a:solidFill>
+                  <a:schemeClr val="tx1"/>
+                </a:solidFill>
+              </a:rPr>
+              <a:t>Anne_Frier</a:t>
+            </a:r>
+            <a:r>
+              <a:rPr lang="en-US" b="1" dirty="0">
+                <a:solidFill>
+                  <a:schemeClr val="tx1"/>
+                </a:solidFill>
+              </a:rPr>
+              <a:t>', 8452140203),</a:t>
+            </a:r>
+          </a:p>
+          <a:p>
+            <a:r>
+              <a:rPr lang="en-US" b="1" dirty="0">
+                <a:solidFill>
+                  <a:schemeClr val="tx1"/>
+                </a:solidFill>
+              </a:rPr>
+              <a:t>       (011, '</a:t>
+            </a:r>
+            <a:r>
+              <a:rPr lang="en-US" b="1" dirty="0" err="1">
+                <a:solidFill>
+                  <a:schemeClr val="tx1"/>
+                </a:solidFill>
+              </a:rPr>
+              <a:t>Danny_Puckett</a:t>
+            </a:r>
+            <a:r>
+              <a:rPr lang="en-US" b="1" dirty="0">
+                <a:solidFill>
+                  <a:schemeClr val="tx1"/>
+                </a:solidFill>
+              </a:rPr>
+              <a:t>', 8452406391),</a:t>
+            </a:r>
+          </a:p>
+          <a:p>
+            <a:r>
+              <a:rPr lang="en-US" b="1" dirty="0">
+                <a:solidFill>
+                  <a:schemeClr val="tx1"/>
+                </a:solidFill>
+              </a:rPr>
+              <a:t>       (012, '</a:t>
+            </a:r>
+            <a:r>
+              <a:rPr lang="en-US" b="1" dirty="0" err="1">
+                <a:solidFill>
+                  <a:schemeClr val="tx1"/>
+                </a:solidFill>
+              </a:rPr>
+              <a:t>Darielle_Clarke_Harris</a:t>
+            </a:r>
+            <a:r>
+              <a:rPr lang="en-US" b="1" dirty="0">
+                <a:solidFill>
+                  <a:schemeClr val="tx1"/>
+                </a:solidFill>
+              </a:rPr>
+              <a:t>', 8454641928);</a:t>
+            </a:r>
+          </a:p>
+          <a:p>
+            <a:endParaRPr lang="en-US" b="1" dirty="0">
+              <a:solidFill>
+                <a:schemeClr val="tx1"/>
+              </a:solidFill>
+            </a:endParaRPr>
           </a:p>
         </p:txBody>
       </p:sp>
@@ -15200,7 +16091,7 @@
             <a:spLocks noGrp="1"/>
           </p:cNvSpPr>
           <p:nvPr>
-            <p:ph type="ctrTitle"/>
+            <p:ph type="title"/>
           </p:nvPr>
         </p:nvSpPr>
         <p:spPr/>
@@ -15214,84 +16105,1057 @@
                   <a:srgbClr val="FD7F31"/>
                 </a:solidFill>
               </a:rPr>
-              <a:t>FAIR FAST FARE</a:t>
+              <a:t>Insert to Customer</a:t>
             </a:r>
           </a:p>
         </p:txBody>
       </p:sp>
       <p:sp>
         <p:nvSpPr>
-          <p:cNvPr id="3" name="Subtitle 2"/>
+          <p:cNvPr id="3" name="Content Placeholder 2"/>
           <p:cNvSpPr>
             <a:spLocks noGrp="1"/>
           </p:cNvSpPr>
           <p:nvPr>
-            <p:ph type="subTitle" idx="1"/>
+            <p:ph idx="1"/>
           </p:nvPr>
         </p:nvSpPr>
-        <p:spPr>
-          <a:xfrm>
-            <a:off x="1154955" y="4777380"/>
-            <a:ext cx="8825658" cy="1137646"/>
-          </a:xfrm>
-        </p:spPr>
+        <p:spPr/>
         <p:txBody>
-          <a:bodyPr>
-            <a:normAutofit fontScale="85000" lnSpcReduction="20000"/>
-          </a:bodyPr>
+          <a:bodyPr/>
           <a:lstStyle/>
           <a:p>
-            <a:r>
-              <a:rPr lang="en-US" dirty="0">
-                <a:solidFill>
-                  <a:srgbClr val="FD7F31"/>
-                </a:solidFill>
-              </a:rPr>
-              <a:t>Created May 2017 </a:t>
-            </a:r>
-          </a:p>
-          <a:p>
-            <a:r>
-              <a:rPr lang="en-US" dirty="0">
-                <a:solidFill>
-                  <a:srgbClr val="FD7F31"/>
-                </a:solidFill>
-              </a:rPr>
-              <a:t>A Danny Puckett </a:t>
-            </a:r>
-            <a:r>
-              <a:rPr lang="en-US" dirty="0" err="1">
-                <a:solidFill>
-                  <a:srgbClr val="FD7F31"/>
-                </a:solidFill>
-              </a:rPr>
-              <a:t>Dbms</a:t>
-            </a:r>
-            <a:r>
-              <a:rPr lang="en-US" dirty="0">
-                <a:solidFill>
-                  <a:srgbClr val="FD7F31"/>
-                </a:solidFill>
-              </a:rPr>
-              <a:t> Project</a:t>
-            </a:r>
-          </a:p>
-          <a:p>
-            <a:r>
-              <a:rPr lang="en-US" dirty="0">
-                <a:solidFill>
-                  <a:srgbClr val="FD7F31"/>
-                </a:solidFill>
-              </a:rPr>
-              <a:t>All concepts, theories derived,  Processes, Code, or implied physical implementation are the sole intellectual property of Danny Puckett</a:t>
-            </a:r>
+            <a:endParaRPr lang="en-US" b="1" dirty="0">
+              <a:solidFill>
+                <a:schemeClr val="tx1"/>
+              </a:solidFill>
+            </a:endParaRPr>
+          </a:p>
+          <a:p>
+            <a:r>
+              <a:rPr lang="en-US" b="1" dirty="0">
+                <a:solidFill>
+                  <a:schemeClr val="tx1"/>
+                </a:solidFill>
+              </a:rPr>
+              <a:t>INSERT INTO Customer( </a:t>
+            </a:r>
+            <a:r>
+              <a:rPr lang="en-US" b="1" dirty="0" err="1">
+                <a:solidFill>
+                  <a:schemeClr val="tx1"/>
+                </a:solidFill>
+              </a:rPr>
+              <a:t>Cust_ID</a:t>
+            </a:r>
+            <a:r>
+              <a:rPr lang="en-US" b="1" dirty="0">
+                <a:solidFill>
+                  <a:schemeClr val="tx1"/>
+                </a:solidFill>
+              </a:rPr>
+              <a:t>, Address, </a:t>
+            </a:r>
+            <a:r>
+              <a:rPr lang="en-US" b="1" dirty="0" err="1">
+                <a:solidFill>
+                  <a:schemeClr val="tx1"/>
+                </a:solidFill>
+              </a:rPr>
+              <a:t>Cust_Name</a:t>
+            </a:r>
+            <a:r>
+              <a:rPr lang="en-US" b="1" dirty="0">
+                <a:solidFill>
+                  <a:schemeClr val="tx1"/>
+                </a:solidFill>
+              </a:rPr>
+              <a:t>, </a:t>
+            </a:r>
+            <a:r>
+              <a:rPr lang="en-US" b="1" dirty="0" err="1">
+                <a:solidFill>
+                  <a:schemeClr val="tx1"/>
+                </a:solidFill>
+              </a:rPr>
+              <a:t>PhoneNumber</a:t>
+            </a:r>
+            <a:r>
+              <a:rPr lang="en-US" b="1" dirty="0">
+                <a:solidFill>
+                  <a:schemeClr val="tx1"/>
+                </a:solidFill>
+              </a:rPr>
+              <a:t>)</a:t>
+            </a:r>
+          </a:p>
+          <a:p>
+            <a:r>
+              <a:rPr lang="en-US" b="1" dirty="0">
+                <a:solidFill>
+                  <a:schemeClr val="tx1"/>
+                </a:solidFill>
+              </a:rPr>
+              <a:t>Values (004, 'Vincent', 5552655283),</a:t>
+            </a:r>
+          </a:p>
+          <a:p>
+            <a:r>
+              <a:rPr lang="en-US" b="1" dirty="0">
+                <a:solidFill>
+                  <a:schemeClr val="tx1"/>
+                </a:solidFill>
+              </a:rPr>
+              <a:t>       (006, '</a:t>
+            </a:r>
+            <a:r>
+              <a:rPr lang="en-US" b="1" dirty="0" err="1">
+                <a:solidFill>
+                  <a:schemeClr val="tx1"/>
+                </a:solidFill>
+              </a:rPr>
+              <a:t>John_Carpenter</a:t>
+            </a:r>
+            <a:r>
+              <a:rPr lang="en-US" b="1" dirty="0">
+                <a:solidFill>
+                  <a:schemeClr val="tx1"/>
+                </a:solidFill>
+              </a:rPr>
+              <a:t>', 9142407438),</a:t>
+            </a:r>
+          </a:p>
+          <a:p>
+            <a:r>
+              <a:rPr lang="en-US" b="1" dirty="0">
+                <a:solidFill>
+                  <a:schemeClr val="tx1"/>
+                </a:solidFill>
+              </a:rPr>
+              <a:t>       (007, '</a:t>
+            </a:r>
+            <a:r>
+              <a:rPr lang="en-US" b="1" dirty="0" err="1">
+                <a:solidFill>
+                  <a:schemeClr val="tx1"/>
+                </a:solidFill>
+              </a:rPr>
+              <a:t>Alan_Labouseur</a:t>
+            </a:r>
+            <a:r>
+              <a:rPr lang="en-US" b="1" dirty="0">
+                <a:solidFill>
+                  <a:schemeClr val="tx1"/>
+                </a:solidFill>
+              </a:rPr>
+              <a:t>', 8455753000),</a:t>
+            </a:r>
+          </a:p>
+          <a:p>
+            <a:r>
+              <a:rPr lang="en-US" b="1" dirty="0">
+                <a:solidFill>
+                  <a:schemeClr val="tx1"/>
+                </a:solidFill>
+              </a:rPr>
+              <a:t>       (012, '</a:t>
+            </a:r>
+            <a:r>
+              <a:rPr lang="en-US" b="1" dirty="0" err="1">
+                <a:solidFill>
+                  <a:schemeClr val="tx1"/>
+                </a:solidFill>
+              </a:rPr>
+              <a:t>Darielle_Clarke_Harris</a:t>
+            </a:r>
+            <a:r>
+              <a:rPr lang="en-US" b="1" dirty="0">
+                <a:solidFill>
+                  <a:schemeClr val="tx1"/>
+                </a:solidFill>
+              </a:rPr>
+              <a:t>', 8454641928);</a:t>
+            </a:r>
+          </a:p>
+          <a:p>
+            <a:endParaRPr lang="en-US" b="1" dirty="0">
+              <a:solidFill>
+                <a:schemeClr val="tx1"/>
+              </a:solidFill>
+            </a:endParaRPr>
+          </a:p>
+          <a:p>
+            <a:endParaRPr lang="en-US" b="1" dirty="0">
+              <a:solidFill>
+                <a:schemeClr val="tx1"/>
+              </a:solidFill>
+            </a:endParaRPr>
           </a:p>
         </p:txBody>
       </p:sp>
     </p:spTree>
     <p:extLst>
       <p:ext uri="{BB962C8B-B14F-4D97-AF65-F5344CB8AC3E}">
-        <p14:creationId xmlns:p14="http://schemas.microsoft.com/office/powerpoint/2010/main" val="3546573844"/>
+        <p14:creationId xmlns:p14="http://schemas.microsoft.com/office/powerpoint/2010/main" val="2206785750"/>
+      </p:ext>
+    </p:extLst>
+  </p:cSld>
+  <p:clrMapOvr>
+    <a:masterClrMapping/>
+  </p:clrMapOvr>
+</p:sld>
+</file>
+
+<file path=ppt/slides/slide18.xml><?xml version="1.0" encoding="utf-8"?>
+<p:sld xmlns:a="http://schemas.openxmlformats.org/drawingml/2006/main" xmlns:r="http://schemas.openxmlformats.org/officeDocument/2006/relationships" xmlns:p="http://schemas.openxmlformats.org/presentationml/2006/main">
+  <p:cSld>
+    <p:spTree>
+      <p:nvGrpSpPr>
+        <p:cNvPr id="1" name=""/>
+        <p:cNvGrpSpPr/>
+        <p:nvPr/>
+      </p:nvGrpSpPr>
+      <p:grpSpPr>
+        <a:xfrm>
+          <a:off x="0" y="0"/>
+          <a:ext cx="0" cy="0"/>
+          <a:chOff x="0" y="0"/>
+          <a:chExt cx="0" cy="0"/>
+        </a:xfrm>
+      </p:grpSpPr>
+      <p:sp>
+        <p:nvSpPr>
+          <p:cNvPr id="2" name="Title 1"/>
+          <p:cNvSpPr>
+            <a:spLocks noGrp="1"/>
+          </p:cNvSpPr>
+          <p:nvPr>
+            <p:ph type="title"/>
+          </p:nvPr>
+        </p:nvSpPr>
+        <p:spPr/>
+        <p:txBody>
+          <a:bodyPr/>
+          <a:lstStyle/>
+          <a:p>
+            <a:r>
+              <a:rPr lang="en-US" i="1" dirty="0">
+                <a:solidFill>
+                  <a:srgbClr val="FD7F31"/>
+                </a:solidFill>
+              </a:rPr>
+              <a:t>Insert to Dispatcher and Drivers</a:t>
+            </a:r>
+            <a:endParaRPr lang="en-US" dirty="0"/>
+          </a:p>
+        </p:txBody>
+      </p:sp>
+      <p:sp>
+        <p:nvSpPr>
+          <p:cNvPr id="3" name="Content Placeholder 2"/>
+          <p:cNvSpPr>
+            <a:spLocks noGrp="1"/>
+          </p:cNvSpPr>
+          <p:nvPr>
+            <p:ph idx="1"/>
+          </p:nvPr>
+        </p:nvSpPr>
+        <p:spPr>
+          <a:xfrm>
+            <a:off x="1154955" y="2603500"/>
+            <a:ext cx="8761412" cy="3959346"/>
+          </a:xfrm>
+        </p:spPr>
+        <p:txBody>
+          <a:bodyPr>
+            <a:normAutofit fontScale="92500" lnSpcReduction="20000"/>
+          </a:bodyPr>
+          <a:lstStyle/>
+          <a:p>
+            <a:r>
+              <a:rPr lang="en-US" b="1" dirty="0">
+                <a:solidFill>
+                  <a:schemeClr val="tx1"/>
+                </a:solidFill>
+              </a:rPr>
+              <a:t>INSERT INTO Dispatcher( </a:t>
+            </a:r>
+            <a:r>
+              <a:rPr lang="en-US" b="1" dirty="0" err="1">
+                <a:solidFill>
+                  <a:schemeClr val="tx1"/>
+                </a:solidFill>
+              </a:rPr>
+              <a:t>Dispatch_ID</a:t>
+            </a:r>
+            <a:r>
+              <a:rPr lang="en-US" b="1" dirty="0">
+                <a:solidFill>
+                  <a:schemeClr val="tx1"/>
+                </a:solidFill>
+              </a:rPr>
+              <a:t>, </a:t>
+            </a:r>
+            <a:r>
+              <a:rPr lang="en-US" b="1" dirty="0" err="1">
+                <a:solidFill>
+                  <a:schemeClr val="tx1"/>
+                </a:solidFill>
+              </a:rPr>
+              <a:t>Dispatch_Name</a:t>
+            </a:r>
+            <a:r>
+              <a:rPr lang="en-US" b="1" dirty="0">
+                <a:solidFill>
+                  <a:schemeClr val="tx1"/>
+                </a:solidFill>
+              </a:rPr>
+              <a:t>, </a:t>
+            </a:r>
+            <a:r>
+              <a:rPr lang="en-US" b="1" dirty="0" err="1">
+                <a:solidFill>
+                  <a:schemeClr val="tx1"/>
+                </a:solidFill>
+              </a:rPr>
+              <a:t>PhoneNumber</a:t>
+            </a:r>
+            <a:r>
+              <a:rPr lang="en-US" b="1" dirty="0">
+                <a:solidFill>
+                  <a:schemeClr val="tx1"/>
+                </a:solidFill>
+              </a:rPr>
+              <a:t>)</a:t>
+            </a:r>
+          </a:p>
+          <a:p>
+            <a:r>
+              <a:rPr lang="en-US" b="1" dirty="0">
+                <a:solidFill>
+                  <a:schemeClr val="tx1"/>
+                </a:solidFill>
+              </a:rPr>
+              <a:t>Values (001, '</a:t>
+            </a:r>
+            <a:r>
+              <a:rPr lang="en-US" b="1" dirty="0" err="1">
+                <a:solidFill>
+                  <a:schemeClr val="tx1"/>
+                </a:solidFill>
+              </a:rPr>
+              <a:t>Shaun_Miles</a:t>
+            </a:r>
+            <a:r>
+              <a:rPr lang="en-US" b="1" dirty="0">
+                <a:solidFill>
+                  <a:schemeClr val="tx1"/>
+                </a:solidFill>
+              </a:rPr>
+              <a:t>', 8452140203),</a:t>
+            </a:r>
+          </a:p>
+          <a:p>
+            <a:r>
+              <a:rPr lang="en-US" b="1" dirty="0">
+                <a:solidFill>
+                  <a:schemeClr val="tx1"/>
+                </a:solidFill>
+              </a:rPr>
+              <a:t>       (010, '</a:t>
+            </a:r>
+            <a:r>
+              <a:rPr lang="en-US" b="1" dirty="0" err="1">
+                <a:solidFill>
+                  <a:schemeClr val="tx1"/>
+                </a:solidFill>
+              </a:rPr>
+              <a:t>Anne_Frier</a:t>
+            </a:r>
+            <a:r>
+              <a:rPr lang="en-US" b="1" dirty="0">
+                <a:solidFill>
+                  <a:schemeClr val="tx1"/>
+                </a:solidFill>
+              </a:rPr>
+              <a:t>', 8452140203);</a:t>
+            </a:r>
+          </a:p>
+          <a:p>
+            <a:endParaRPr lang="en-US" b="1" dirty="0">
+              <a:solidFill>
+                <a:schemeClr val="tx1"/>
+              </a:solidFill>
+            </a:endParaRPr>
+          </a:p>
+          <a:p>
+            <a:r>
+              <a:rPr lang="en-US" b="1" dirty="0">
+                <a:solidFill>
+                  <a:schemeClr val="tx1"/>
+                </a:solidFill>
+              </a:rPr>
+              <a:t>INSERT INTO Drivers( </a:t>
+            </a:r>
+            <a:r>
+              <a:rPr lang="en-US" b="1" dirty="0" err="1">
+                <a:solidFill>
+                  <a:schemeClr val="tx1"/>
+                </a:solidFill>
+              </a:rPr>
+              <a:t>Driver_ID</a:t>
+            </a:r>
+            <a:r>
+              <a:rPr lang="en-US" b="1" dirty="0">
+                <a:solidFill>
+                  <a:schemeClr val="tx1"/>
+                </a:solidFill>
+              </a:rPr>
+              <a:t>, </a:t>
+            </a:r>
+            <a:r>
+              <a:rPr lang="en-US" b="1" dirty="0" err="1">
+                <a:solidFill>
+                  <a:schemeClr val="tx1"/>
+                </a:solidFill>
+              </a:rPr>
+              <a:t>CarNumberD</a:t>
+            </a:r>
+            <a:r>
+              <a:rPr lang="en-US" b="1" dirty="0">
+                <a:solidFill>
+                  <a:schemeClr val="tx1"/>
+                </a:solidFill>
+              </a:rPr>
+              <a:t>, </a:t>
+            </a:r>
+            <a:r>
+              <a:rPr lang="en-US" b="1" dirty="0" err="1">
+                <a:solidFill>
+                  <a:schemeClr val="tx1"/>
+                </a:solidFill>
+              </a:rPr>
+              <a:t>PhoneNumber</a:t>
+            </a:r>
+            <a:r>
+              <a:rPr lang="en-US" b="1" dirty="0">
+                <a:solidFill>
+                  <a:schemeClr val="tx1"/>
+                </a:solidFill>
+              </a:rPr>
+              <a:t>, </a:t>
+            </a:r>
+            <a:r>
+              <a:rPr lang="en-US" b="1" dirty="0" err="1">
+                <a:solidFill>
+                  <a:schemeClr val="tx1"/>
+                </a:solidFill>
+              </a:rPr>
+              <a:t>DMV_License</a:t>
+            </a:r>
+            <a:r>
+              <a:rPr lang="en-US" b="1" dirty="0">
+                <a:solidFill>
+                  <a:schemeClr val="tx1"/>
+                </a:solidFill>
+              </a:rPr>
+              <a:t>, </a:t>
+            </a:r>
+            <a:r>
+              <a:rPr lang="en-US" b="1" dirty="0" err="1">
+                <a:solidFill>
+                  <a:schemeClr val="tx1"/>
+                </a:solidFill>
+              </a:rPr>
+              <a:t>Trip_ID</a:t>
+            </a:r>
+            <a:r>
+              <a:rPr lang="en-US" b="1" dirty="0">
+                <a:solidFill>
+                  <a:schemeClr val="tx1"/>
+                </a:solidFill>
+              </a:rPr>
+              <a:t>, </a:t>
+            </a:r>
+            <a:r>
+              <a:rPr lang="en-US" b="1" dirty="0" err="1">
+                <a:solidFill>
+                  <a:schemeClr val="tx1"/>
+                </a:solidFill>
+              </a:rPr>
+              <a:t>Driver_Name</a:t>
+            </a:r>
+            <a:r>
+              <a:rPr lang="en-US" b="1" dirty="0">
+                <a:solidFill>
+                  <a:schemeClr val="tx1"/>
+                </a:solidFill>
+              </a:rPr>
+              <a:t>)</a:t>
+            </a:r>
+          </a:p>
+          <a:p>
+            <a:r>
+              <a:rPr lang="en-US" b="1" dirty="0">
+                <a:solidFill>
+                  <a:schemeClr val="tx1"/>
+                </a:solidFill>
+              </a:rPr>
+              <a:t>Values (002, 2, 8455148982, 678555099, 'E-XF', '</a:t>
+            </a:r>
+            <a:r>
+              <a:rPr lang="en-US" b="1" dirty="0" err="1">
+                <a:solidFill>
+                  <a:schemeClr val="tx1"/>
+                </a:solidFill>
+              </a:rPr>
+              <a:t>Joesph_Mehm</a:t>
+            </a:r>
+            <a:r>
+              <a:rPr lang="en-US" b="1" dirty="0">
+                <a:solidFill>
+                  <a:schemeClr val="tx1"/>
+                </a:solidFill>
+              </a:rPr>
+              <a:t>'),</a:t>
+            </a:r>
+          </a:p>
+          <a:p>
+            <a:r>
+              <a:rPr lang="en-US" b="1" dirty="0">
+                <a:solidFill>
+                  <a:schemeClr val="tx1"/>
+                </a:solidFill>
+              </a:rPr>
+              <a:t>       (003, 1, 5553218294, 656566565, 'F-XF', '</a:t>
+            </a:r>
+            <a:r>
+              <a:rPr lang="en-US" b="1" dirty="0" err="1">
+                <a:solidFill>
+                  <a:schemeClr val="tx1"/>
+                </a:solidFill>
+              </a:rPr>
+              <a:t>Max_Durocher</a:t>
+            </a:r>
+            <a:r>
+              <a:rPr lang="en-US" b="1" dirty="0">
+                <a:solidFill>
+                  <a:schemeClr val="tx1"/>
+                </a:solidFill>
+              </a:rPr>
+              <a:t>'),</a:t>
+            </a:r>
+          </a:p>
+          <a:p>
+            <a:r>
+              <a:rPr lang="en-US" b="1" dirty="0">
+                <a:solidFill>
+                  <a:schemeClr val="tx1"/>
+                </a:solidFill>
+              </a:rPr>
+              <a:t>       (005, 3, 5558294222, 253455849, 'E-F', '</a:t>
+            </a:r>
+            <a:r>
+              <a:rPr lang="en-US" b="1" dirty="0" err="1">
+                <a:solidFill>
+                  <a:schemeClr val="tx1"/>
+                </a:solidFill>
+              </a:rPr>
+              <a:t>Louie_De_Palma</a:t>
+            </a:r>
+            <a:r>
+              <a:rPr lang="en-US" b="1" dirty="0">
+                <a:solidFill>
+                  <a:schemeClr val="tx1"/>
+                </a:solidFill>
+              </a:rPr>
+              <a:t>'),</a:t>
+            </a:r>
+          </a:p>
+          <a:p>
+            <a:r>
+              <a:rPr lang="en-US" b="1" dirty="0">
+                <a:solidFill>
+                  <a:schemeClr val="tx1"/>
+                </a:solidFill>
+              </a:rPr>
+              <a:t>       (008, 4, 8452789362, 849776545, 'E-XF', '</a:t>
+            </a:r>
+            <a:r>
+              <a:rPr lang="en-US" b="1" dirty="0" err="1">
+                <a:solidFill>
+                  <a:schemeClr val="tx1"/>
+                </a:solidFill>
+              </a:rPr>
+              <a:t>Sun_Jones</a:t>
+            </a:r>
+            <a:r>
+              <a:rPr lang="en-US" b="1" dirty="0">
+                <a:solidFill>
+                  <a:schemeClr val="tx1"/>
+                </a:solidFill>
+              </a:rPr>
+              <a:t>'),</a:t>
+            </a:r>
+          </a:p>
+          <a:p>
+            <a:r>
+              <a:rPr lang="en-US" b="1" dirty="0">
+                <a:solidFill>
+                  <a:schemeClr val="tx1"/>
+                </a:solidFill>
+              </a:rPr>
+              <a:t>       (009, 1, 8452791826, 578673341, 'E-F', '</a:t>
+            </a:r>
+            <a:r>
+              <a:rPr lang="en-US" b="1" dirty="0" err="1">
+                <a:solidFill>
+                  <a:schemeClr val="tx1"/>
+                </a:solidFill>
+              </a:rPr>
+              <a:t>Shannon_Lee</a:t>
+            </a:r>
+            <a:r>
+              <a:rPr lang="en-US" b="1" dirty="0">
+                <a:solidFill>
+                  <a:schemeClr val="tx1"/>
+                </a:solidFill>
+              </a:rPr>
+              <a:t>'),</a:t>
+            </a:r>
+          </a:p>
+          <a:p>
+            <a:r>
+              <a:rPr lang="en-US" b="1" dirty="0">
+                <a:solidFill>
+                  <a:schemeClr val="tx1"/>
+                </a:solidFill>
+              </a:rPr>
+              <a:t>       (011, 4, 8452406391, 622456764, 'E-XF', '</a:t>
+            </a:r>
+            <a:r>
+              <a:rPr lang="en-US" b="1" dirty="0" err="1">
+                <a:solidFill>
+                  <a:schemeClr val="tx1"/>
+                </a:solidFill>
+              </a:rPr>
+              <a:t>Danny_Puckett</a:t>
+            </a:r>
+            <a:r>
+              <a:rPr lang="en-US" b="1" dirty="0">
+                <a:solidFill>
+                  <a:schemeClr val="tx1"/>
+                </a:solidFill>
+              </a:rPr>
+              <a:t>');</a:t>
+            </a:r>
+          </a:p>
+          <a:p>
+            <a:endParaRPr lang="en-US" b="1" dirty="0">
+              <a:solidFill>
+                <a:schemeClr val="tx1"/>
+              </a:solidFill>
+            </a:endParaRPr>
+          </a:p>
+        </p:txBody>
+      </p:sp>
+    </p:spTree>
+    <p:extLst>
+      <p:ext uri="{BB962C8B-B14F-4D97-AF65-F5344CB8AC3E}">
+        <p14:creationId xmlns:p14="http://schemas.microsoft.com/office/powerpoint/2010/main" val="1556029007"/>
+      </p:ext>
+    </p:extLst>
+  </p:cSld>
+  <p:clrMapOvr>
+    <a:masterClrMapping/>
+  </p:clrMapOvr>
+</p:sld>
+</file>
+
+<file path=ppt/slides/slide19.xml><?xml version="1.0" encoding="utf-8"?>
+<p:sld xmlns:a="http://schemas.openxmlformats.org/drawingml/2006/main" xmlns:r="http://schemas.openxmlformats.org/officeDocument/2006/relationships" xmlns:p="http://schemas.openxmlformats.org/presentationml/2006/main">
+  <p:cSld>
+    <p:spTree>
+      <p:nvGrpSpPr>
+        <p:cNvPr id="1" name=""/>
+        <p:cNvGrpSpPr/>
+        <p:nvPr/>
+      </p:nvGrpSpPr>
+      <p:grpSpPr>
+        <a:xfrm>
+          <a:off x="0" y="0"/>
+          <a:ext cx="0" cy="0"/>
+          <a:chOff x="0" y="0"/>
+          <a:chExt cx="0" cy="0"/>
+        </a:xfrm>
+      </p:grpSpPr>
+      <p:sp>
+        <p:nvSpPr>
+          <p:cNvPr id="2" name="Title 1"/>
+          <p:cNvSpPr>
+            <a:spLocks noGrp="1"/>
+          </p:cNvSpPr>
+          <p:nvPr>
+            <p:ph type="title"/>
+          </p:nvPr>
+        </p:nvSpPr>
+        <p:spPr/>
+        <p:txBody>
+          <a:bodyPr/>
+          <a:lstStyle/>
+          <a:p>
+            <a:r>
+              <a:rPr lang="en-US" i="1" dirty="0">
+                <a:solidFill>
+                  <a:srgbClr val="FD7F31"/>
+                </a:solidFill>
+              </a:rPr>
+              <a:t>Insert to </a:t>
+            </a:r>
+            <a:r>
+              <a:rPr lang="en-US" i="1" dirty="0" err="1">
+                <a:solidFill>
+                  <a:srgbClr val="FD7F31"/>
+                </a:solidFill>
+              </a:rPr>
+              <a:t>Call_Received</a:t>
+            </a:r>
+            <a:r>
+              <a:rPr lang="en-US" i="1" dirty="0">
+                <a:solidFill>
+                  <a:srgbClr val="FD7F31"/>
+                </a:solidFill>
+              </a:rPr>
+              <a:t> and Cars</a:t>
+            </a:r>
+            <a:endParaRPr lang="en-US" dirty="0"/>
+          </a:p>
+        </p:txBody>
+      </p:sp>
+      <p:sp>
+        <p:nvSpPr>
+          <p:cNvPr id="3" name="Content Placeholder 2"/>
+          <p:cNvSpPr>
+            <a:spLocks noGrp="1"/>
+          </p:cNvSpPr>
+          <p:nvPr>
+            <p:ph idx="1"/>
+          </p:nvPr>
+        </p:nvSpPr>
+        <p:spPr>
+          <a:xfrm>
+            <a:off x="1154955" y="2268638"/>
+            <a:ext cx="9702098" cy="4398380"/>
+          </a:xfrm>
+        </p:spPr>
+        <p:txBody>
+          <a:bodyPr>
+            <a:normAutofit fontScale="92500" lnSpcReduction="10000"/>
+          </a:bodyPr>
+          <a:lstStyle/>
+          <a:p>
+            <a:endParaRPr lang="en-US" b="1" dirty="0">
+              <a:solidFill>
+                <a:schemeClr val="tx1"/>
+              </a:solidFill>
+            </a:endParaRPr>
+          </a:p>
+          <a:p>
+            <a:r>
+              <a:rPr lang="en-US" b="1" dirty="0">
+                <a:solidFill>
+                  <a:schemeClr val="tx1"/>
+                </a:solidFill>
+              </a:rPr>
+              <a:t>INSERT INTO </a:t>
+            </a:r>
+            <a:r>
+              <a:rPr lang="en-US" b="1" dirty="0" err="1">
+                <a:solidFill>
+                  <a:schemeClr val="tx1"/>
+                </a:solidFill>
+              </a:rPr>
+              <a:t>Call_Received</a:t>
+            </a:r>
+            <a:r>
+              <a:rPr lang="en-US" b="1" dirty="0">
+                <a:solidFill>
+                  <a:schemeClr val="tx1"/>
+                </a:solidFill>
+              </a:rPr>
+              <a:t>(</a:t>
+            </a:r>
+            <a:r>
+              <a:rPr lang="en-US" b="1" dirty="0" err="1">
+                <a:solidFill>
+                  <a:schemeClr val="tx1"/>
+                </a:solidFill>
+              </a:rPr>
+              <a:t>Pickup_Address</a:t>
+            </a:r>
+            <a:r>
+              <a:rPr lang="en-US" b="1" dirty="0">
+                <a:solidFill>
+                  <a:schemeClr val="tx1"/>
+                </a:solidFill>
+              </a:rPr>
+              <a:t>, </a:t>
+            </a:r>
+            <a:r>
+              <a:rPr lang="en-US" b="1" dirty="0" err="1">
+                <a:solidFill>
+                  <a:schemeClr val="tx1"/>
+                </a:solidFill>
+              </a:rPr>
+              <a:t>Cust_IDR</a:t>
+            </a:r>
+            <a:r>
+              <a:rPr lang="en-US" b="1" dirty="0">
+                <a:solidFill>
+                  <a:schemeClr val="tx1"/>
+                </a:solidFill>
+              </a:rPr>
+              <a:t>, </a:t>
+            </a:r>
+            <a:r>
+              <a:rPr lang="en-US" b="1" dirty="0" err="1">
+                <a:solidFill>
+                  <a:schemeClr val="tx1"/>
+                </a:solidFill>
+              </a:rPr>
+              <a:t>Trip_IDR</a:t>
+            </a:r>
+            <a:r>
+              <a:rPr lang="en-US" b="1" dirty="0">
+                <a:solidFill>
+                  <a:schemeClr val="tx1"/>
+                </a:solidFill>
+              </a:rPr>
+              <a:t>, Destination, </a:t>
+            </a:r>
+            <a:r>
+              <a:rPr lang="en-US" b="1" dirty="0" err="1">
+                <a:solidFill>
+                  <a:schemeClr val="tx1"/>
+                </a:solidFill>
+              </a:rPr>
+              <a:t>CostUSD</a:t>
+            </a:r>
+            <a:r>
+              <a:rPr lang="en-US" b="1" dirty="0">
+                <a:solidFill>
+                  <a:schemeClr val="tx1"/>
+                </a:solidFill>
+              </a:rPr>
+              <a:t>)</a:t>
+            </a:r>
+          </a:p>
+          <a:p>
+            <a:r>
+              <a:rPr lang="en-US" b="1" dirty="0">
+                <a:solidFill>
+                  <a:schemeClr val="tx1"/>
+                </a:solidFill>
+              </a:rPr>
+              <a:t>Values ('</a:t>
+            </a:r>
+            <a:r>
+              <a:rPr lang="en-US" b="1" dirty="0" err="1">
+                <a:solidFill>
+                  <a:schemeClr val="tx1"/>
+                </a:solidFill>
+              </a:rPr>
+              <a:t>Hollywood_Blvd</a:t>
+            </a:r>
+            <a:r>
+              <a:rPr lang="en-US" b="1" dirty="0">
+                <a:solidFill>
+                  <a:schemeClr val="tx1"/>
+                </a:solidFill>
+              </a:rPr>
+              <a:t>', 004, 'XF29', 'TBD', 99),</a:t>
+            </a:r>
+          </a:p>
+          <a:p>
+            <a:r>
+              <a:rPr lang="en-US" b="1" dirty="0">
+                <a:solidFill>
+                  <a:schemeClr val="tx1"/>
+                </a:solidFill>
+              </a:rPr>
+              <a:t>       ('</a:t>
+            </a:r>
+            <a:r>
+              <a:rPr lang="en-US" b="1" dirty="0" err="1">
+                <a:solidFill>
+                  <a:schemeClr val="tx1"/>
+                </a:solidFill>
+              </a:rPr>
+              <a:t>Pleasent_Valley</a:t>
+            </a:r>
+            <a:r>
+              <a:rPr lang="en-US" b="1" dirty="0">
+                <a:solidFill>
+                  <a:schemeClr val="tx1"/>
+                </a:solidFill>
+              </a:rPr>
+              <a:t>', 006, 'F08', 'TBD', 14),</a:t>
+            </a:r>
+          </a:p>
+          <a:p>
+            <a:r>
+              <a:rPr lang="en-US" b="1" dirty="0">
+                <a:solidFill>
+                  <a:schemeClr val="tx1"/>
+                </a:solidFill>
+              </a:rPr>
+              <a:t>       ('</a:t>
+            </a:r>
+            <a:r>
+              <a:rPr lang="en-US" b="1" dirty="0" err="1">
+                <a:solidFill>
+                  <a:schemeClr val="tx1"/>
+                </a:solidFill>
+              </a:rPr>
+              <a:t>Marist_College</a:t>
+            </a:r>
+            <a:r>
+              <a:rPr lang="en-US" b="1" dirty="0">
+                <a:solidFill>
+                  <a:schemeClr val="tx1"/>
+                </a:solidFill>
+              </a:rPr>
+              <a:t>', 007, 'E02', 'TBD', 9),</a:t>
+            </a:r>
+          </a:p>
+          <a:p>
+            <a:r>
+              <a:rPr lang="en-US" b="1" dirty="0">
+                <a:solidFill>
+                  <a:schemeClr val="tx1"/>
+                </a:solidFill>
+              </a:rPr>
+              <a:t>       ('</a:t>
+            </a:r>
+            <a:r>
+              <a:rPr lang="en-US" b="1" dirty="0" err="1">
+                <a:solidFill>
+                  <a:schemeClr val="tx1"/>
+                </a:solidFill>
+              </a:rPr>
+              <a:t>Main_St</a:t>
+            </a:r>
+            <a:r>
+              <a:rPr lang="en-US" b="1" dirty="0">
+                <a:solidFill>
+                  <a:schemeClr val="tx1"/>
+                </a:solidFill>
+              </a:rPr>
+              <a:t>', 012, 'F09', 'TBD', 11);</a:t>
+            </a:r>
+          </a:p>
+          <a:p>
+            <a:endParaRPr lang="en-US" b="1" dirty="0">
+              <a:solidFill>
+                <a:schemeClr val="tx1"/>
+              </a:solidFill>
+            </a:endParaRPr>
+          </a:p>
+          <a:p>
+            <a:r>
+              <a:rPr lang="en-US" b="1" dirty="0">
+                <a:solidFill>
+                  <a:schemeClr val="tx1"/>
+                </a:solidFill>
+              </a:rPr>
+              <a:t>INSERT INTO Cars(</a:t>
+            </a:r>
+            <a:r>
+              <a:rPr lang="en-US" b="1" dirty="0" err="1">
+                <a:solidFill>
+                  <a:schemeClr val="tx1"/>
+                </a:solidFill>
+              </a:rPr>
+              <a:t>CarNumber</a:t>
+            </a:r>
+            <a:r>
+              <a:rPr lang="en-US" b="1" dirty="0">
+                <a:solidFill>
+                  <a:schemeClr val="tx1"/>
+                </a:solidFill>
+              </a:rPr>
+              <a:t>, </a:t>
+            </a:r>
+            <a:r>
+              <a:rPr lang="en-US" b="1" dirty="0" err="1">
+                <a:solidFill>
+                  <a:schemeClr val="tx1"/>
+                </a:solidFill>
+              </a:rPr>
+              <a:t>PlateNumber</a:t>
+            </a:r>
+            <a:r>
+              <a:rPr lang="en-US" b="1" dirty="0">
+                <a:solidFill>
+                  <a:schemeClr val="tx1"/>
+                </a:solidFill>
+              </a:rPr>
+              <a:t>, Make, Model, VIN)</a:t>
+            </a:r>
+          </a:p>
+          <a:p>
+            <a:r>
+              <a:rPr lang="en-US" b="1" dirty="0">
+                <a:solidFill>
+                  <a:schemeClr val="tx1"/>
+                </a:solidFill>
+              </a:rPr>
+              <a:t>Values (1, 'ABC123TX', 'Chevy', 'Impala', '45671476453928'),</a:t>
+            </a:r>
+          </a:p>
+          <a:p>
+            <a:r>
+              <a:rPr lang="en-US" b="1" dirty="0">
+                <a:solidFill>
+                  <a:schemeClr val="tx1"/>
+                </a:solidFill>
+              </a:rPr>
+              <a:t>       (2, 'XVF27LV', 'Chevy', 'Malibu', '57291476492852'),</a:t>
+            </a:r>
+          </a:p>
+          <a:p>
+            <a:r>
+              <a:rPr lang="en-US" b="1" dirty="0">
+                <a:solidFill>
+                  <a:schemeClr val="tx1"/>
+                </a:solidFill>
+              </a:rPr>
+              <a:t>       (3, 'X6435LV', 'Chevy', 'Impala', '93874621145820'),</a:t>
+            </a:r>
+          </a:p>
+          <a:p>
+            <a:r>
+              <a:rPr lang="en-US" b="1" dirty="0">
+                <a:solidFill>
+                  <a:schemeClr val="tx1"/>
+                </a:solidFill>
+              </a:rPr>
+              <a:t>       (4, 'A45B7TX', 'Chevy', 'Impala', '39478653728482');</a:t>
+            </a:r>
+          </a:p>
+          <a:p>
+            <a:endParaRPr lang="en-US" b="1" dirty="0">
+              <a:solidFill>
+                <a:schemeClr val="tx1"/>
+              </a:solidFill>
+            </a:endParaRPr>
+          </a:p>
+        </p:txBody>
+      </p:sp>
+    </p:spTree>
+    <p:extLst>
+      <p:ext uri="{BB962C8B-B14F-4D97-AF65-F5344CB8AC3E}">
+        <p14:creationId xmlns:p14="http://schemas.microsoft.com/office/powerpoint/2010/main" val="1870873915"/>
       </p:ext>
     </p:extLst>
   </p:cSld>
@@ -15494,6 +17358,1265 @@
 </p:sld>
 </file>
 
+<file path=ppt/slides/slide20.xml><?xml version="1.0" encoding="utf-8"?>
+<p:sld xmlns:a="http://schemas.openxmlformats.org/drawingml/2006/main" xmlns:r="http://schemas.openxmlformats.org/officeDocument/2006/relationships" xmlns:p="http://schemas.openxmlformats.org/presentationml/2006/main">
+  <p:cSld>
+    <p:spTree>
+      <p:nvGrpSpPr>
+        <p:cNvPr id="1" name=""/>
+        <p:cNvGrpSpPr/>
+        <p:nvPr/>
+      </p:nvGrpSpPr>
+      <p:grpSpPr>
+        <a:xfrm>
+          <a:off x="0" y="0"/>
+          <a:ext cx="0" cy="0"/>
+          <a:chOff x="0" y="0"/>
+          <a:chExt cx="0" cy="0"/>
+        </a:xfrm>
+      </p:grpSpPr>
+      <p:sp>
+        <p:nvSpPr>
+          <p:cNvPr id="2" name="Title 1"/>
+          <p:cNvSpPr>
+            <a:spLocks noGrp="1"/>
+          </p:cNvSpPr>
+          <p:nvPr>
+            <p:ph type="title"/>
+          </p:nvPr>
+        </p:nvSpPr>
+        <p:spPr/>
+        <p:txBody>
+          <a:bodyPr/>
+          <a:lstStyle/>
+          <a:p>
+            <a:r>
+              <a:rPr lang="en-US" i="1" dirty="0">
+                <a:solidFill>
+                  <a:srgbClr val="FD7F31"/>
+                </a:solidFill>
+              </a:rPr>
+              <a:t>Insert to </a:t>
+            </a:r>
+            <a:r>
+              <a:rPr lang="en-US" i="1" dirty="0" err="1">
+                <a:solidFill>
+                  <a:srgbClr val="FD7F31"/>
+                </a:solidFill>
+              </a:rPr>
+              <a:t>Fares_Trips</a:t>
+            </a:r>
+            <a:endParaRPr lang="en-US" dirty="0"/>
+          </a:p>
+        </p:txBody>
+      </p:sp>
+      <p:sp>
+        <p:nvSpPr>
+          <p:cNvPr id="3" name="Content Placeholder 2"/>
+          <p:cNvSpPr>
+            <a:spLocks noGrp="1"/>
+          </p:cNvSpPr>
+          <p:nvPr>
+            <p:ph idx="1"/>
+          </p:nvPr>
+        </p:nvSpPr>
+        <p:spPr/>
+        <p:txBody>
+          <a:bodyPr/>
+          <a:lstStyle/>
+          <a:p>
+            <a:endParaRPr lang="en-US" b="1" dirty="0">
+              <a:solidFill>
+                <a:schemeClr val="tx1"/>
+              </a:solidFill>
+            </a:endParaRPr>
+          </a:p>
+          <a:p>
+            <a:r>
+              <a:rPr lang="en-US" b="1" dirty="0">
+                <a:solidFill>
+                  <a:schemeClr val="tx1"/>
+                </a:solidFill>
+              </a:rPr>
+              <a:t>INSERT INTO </a:t>
+            </a:r>
+            <a:r>
+              <a:rPr lang="en-US" b="1" dirty="0" err="1">
+                <a:solidFill>
+                  <a:schemeClr val="tx1"/>
+                </a:solidFill>
+              </a:rPr>
+              <a:t>Fares_Trips</a:t>
+            </a:r>
+            <a:r>
+              <a:rPr lang="en-US" b="1" dirty="0">
+                <a:solidFill>
+                  <a:schemeClr val="tx1"/>
+                </a:solidFill>
+              </a:rPr>
+              <a:t>(</a:t>
+            </a:r>
+            <a:r>
+              <a:rPr lang="en-US" b="1" dirty="0" err="1">
+                <a:solidFill>
+                  <a:schemeClr val="tx1"/>
+                </a:solidFill>
+              </a:rPr>
+              <a:t>TripNumber</a:t>
+            </a:r>
+            <a:r>
+              <a:rPr lang="en-US" b="1" dirty="0">
+                <a:solidFill>
+                  <a:schemeClr val="tx1"/>
+                </a:solidFill>
+              </a:rPr>
+              <a:t>, </a:t>
+            </a:r>
+            <a:r>
+              <a:rPr lang="en-US" b="1" dirty="0" err="1">
+                <a:solidFill>
+                  <a:schemeClr val="tx1"/>
+                </a:solidFill>
+              </a:rPr>
+              <a:t>Driver_IDZ</a:t>
+            </a:r>
+            <a:r>
+              <a:rPr lang="en-US" b="1" dirty="0">
+                <a:solidFill>
+                  <a:schemeClr val="tx1"/>
+                </a:solidFill>
+              </a:rPr>
+              <a:t>, </a:t>
+            </a:r>
+            <a:r>
+              <a:rPr lang="en-US" b="1" dirty="0" err="1">
+                <a:solidFill>
+                  <a:schemeClr val="tx1"/>
+                </a:solidFill>
+              </a:rPr>
+              <a:t>Cust_IDZ</a:t>
+            </a:r>
+            <a:r>
+              <a:rPr lang="en-US" b="1" dirty="0">
+                <a:solidFill>
+                  <a:schemeClr val="tx1"/>
+                </a:solidFill>
+              </a:rPr>
+              <a:t>, </a:t>
+            </a:r>
+            <a:r>
+              <a:rPr lang="en-US" b="1" dirty="0" err="1">
+                <a:solidFill>
+                  <a:schemeClr val="tx1"/>
+                </a:solidFill>
+              </a:rPr>
+              <a:t>Trip_IDZ</a:t>
+            </a:r>
+            <a:r>
+              <a:rPr lang="en-US" b="1" dirty="0">
+                <a:solidFill>
+                  <a:schemeClr val="tx1"/>
+                </a:solidFill>
+              </a:rPr>
+              <a:t>, </a:t>
+            </a:r>
+            <a:r>
+              <a:rPr lang="en-US" b="1" dirty="0" err="1">
+                <a:solidFill>
+                  <a:schemeClr val="tx1"/>
+                </a:solidFill>
+              </a:rPr>
+              <a:t>CarNumber</a:t>
+            </a:r>
+            <a:r>
+              <a:rPr lang="en-US" b="1" dirty="0">
+                <a:solidFill>
+                  <a:schemeClr val="tx1"/>
+                </a:solidFill>
+              </a:rPr>
+              <a:t>, </a:t>
+            </a:r>
+            <a:r>
+              <a:rPr lang="en-US" b="1" dirty="0" err="1">
+                <a:solidFill>
+                  <a:schemeClr val="tx1"/>
+                </a:solidFill>
+              </a:rPr>
+              <a:t>Trip_Date</a:t>
+            </a:r>
+            <a:r>
+              <a:rPr lang="en-US" b="1" dirty="0">
+                <a:solidFill>
+                  <a:schemeClr val="tx1"/>
+                </a:solidFill>
+              </a:rPr>
+              <a:t>, </a:t>
+            </a:r>
+            <a:r>
+              <a:rPr lang="en-US" b="1" dirty="0" err="1">
+                <a:solidFill>
+                  <a:schemeClr val="tx1"/>
+                </a:solidFill>
+              </a:rPr>
+              <a:t>CostUSDZ</a:t>
+            </a:r>
+            <a:r>
+              <a:rPr lang="en-US" b="1" dirty="0">
+                <a:solidFill>
+                  <a:schemeClr val="tx1"/>
+                </a:solidFill>
+              </a:rPr>
+              <a:t>)</a:t>
+            </a:r>
+          </a:p>
+          <a:p>
+            <a:r>
+              <a:rPr lang="en-US" b="1" dirty="0">
+                <a:solidFill>
+                  <a:schemeClr val="tx1"/>
+                </a:solidFill>
+              </a:rPr>
+              <a:t>Values (15, 003, 004, 'XF29', 1, 2016-11-18, 99),</a:t>
+            </a:r>
+          </a:p>
+          <a:p>
+            <a:r>
+              <a:rPr lang="en-US" b="1" dirty="0">
+                <a:solidFill>
+                  <a:schemeClr val="tx1"/>
+                </a:solidFill>
+              </a:rPr>
+              <a:t>       (4, 002, 006, 'F08', 2, 2016-11-18, 14),</a:t>
+            </a:r>
+          </a:p>
+          <a:p>
+            <a:r>
+              <a:rPr lang="en-US" b="1" dirty="0">
+                <a:solidFill>
+                  <a:schemeClr val="tx1"/>
+                </a:solidFill>
+              </a:rPr>
+              <a:t>       (3, 009, 007, 'E02', 3, 2016-11-18, 9),</a:t>
+            </a:r>
+          </a:p>
+          <a:p>
+            <a:r>
+              <a:rPr lang="en-US" b="1" dirty="0">
+                <a:solidFill>
+                  <a:schemeClr val="tx1"/>
+                </a:solidFill>
+              </a:rPr>
+              <a:t>       (7, 011, 012, 'F09', 4, 2016-11-18, 11);</a:t>
+            </a:r>
+          </a:p>
+          <a:p>
+            <a:endParaRPr lang="en-US" dirty="0">
+              <a:solidFill>
+                <a:schemeClr val="tx1"/>
+              </a:solidFill>
+            </a:endParaRPr>
+          </a:p>
+        </p:txBody>
+      </p:sp>
+    </p:spTree>
+    <p:extLst>
+      <p:ext uri="{BB962C8B-B14F-4D97-AF65-F5344CB8AC3E}">
+        <p14:creationId xmlns:p14="http://schemas.microsoft.com/office/powerpoint/2010/main" val="3658250192"/>
+      </p:ext>
+    </p:extLst>
+  </p:cSld>
+  <p:clrMapOvr>
+    <a:masterClrMapping/>
+  </p:clrMapOvr>
+</p:sld>
+</file>
+
+<file path=ppt/slides/slide21.xml><?xml version="1.0" encoding="utf-8"?>
+<p:sld xmlns:a="http://schemas.openxmlformats.org/drawingml/2006/main" xmlns:r="http://schemas.openxmlformats.org/officeDocument/2006/relationships" xmlns:p="http://schemas.openxmlformats.org/presentationml/2006/main">
+  <p:cSld>
+    <p:spTree>
+      <p:nvGrpSpPr>
+        <p:cNvPr id="1" name=""/>
+        <p:cNvGrpSpPr/>
+        <p:nvPr/>
+      </p:nvGrpSpPr>
+      <p:grpSpPr>
+        <a:xfrm>
+          <a:off x="0" y="0"/>
+          <a:ext cx="0" cy="0"/>
+          <a:chOff x="0" y="0"/>
+          <a:chExt cx="0" cy="0"/>
+        </a:xfrm>
+      </p:grpSpPr>
+      <p:sp>
+        <p:nvSpPr>
+          <p:cNvPr id="2" name="Title 1"/>
+          <p:cNvSpPr>
+            <a:spLocks noGrp="1"/>
+          </p:cNvSpPr>
+          <p:nvPr>
+            <p:ph type="title"/>
+          </p:nvPr>
+        </p:nvSpPr>
+        <p:spPr/>
+        <p:txBody>
+          <a:bodyPr/>
+          <a:lstStyle/>
+          <a:p>
+            <a:r>
+              <a:rPr lang="en-US" i="1" dirty="0">
+                <a:solidFill>
+                  <a:srgbClr val="FD7F31"/>
+                </a:solidFill>
+              </a:rPr>
+              <a:t>Queries of Daily Impact </a:t>
+            </a:r>
+          </a:p>
+        </p:txBody>
+      </p:sp>
+      <p:sp>
+        <p:nvSpPr>
+          <p:cNvPr id="3" name="Content Placeholder 2"/>
+          <p:cNvSpPr>
+            <a:spLocks noGrp="1"/>
+          </p:cNvSpPr>
+          <p:nvPr>
+            <p:ph idx="1"/>
+          </p:nvPr>
+        </p:nvSpPr>
+        <p:spPr/>
+        <p:txBody>
+          <a:bodyPr/>
+          <a:lstStyle/>
+          <a:p>
+            <a:r>
+              <a:rPr lang="en-US" b="1" dirty="0">
+                <a:solidFill>
+                  <a:schemeClr val="tx1"/>
+                </a:solidFill>
+              </a:rPr>
+              <a:t>Name search with a completed </a:t>
+            </a:r>
+            <a:r>
+              <a:rPr lang="en-US" b="1" dirty="0" err="1">
+                <a:solidFill>
+                  <a:schemeClr val="tx1"/>
+                </a:solidFill>
+              </a:rPr>
+              <a:t>bookout</a:t>
+            </a:r>
+            <a:r>
+              <a:rPr lang="en-US" b="1" dirty="0">
+                <a:solidFill>
+                  <a:schemeClr val="tx1"/>
+                </a:solidFill>
+              </a:rPr>
+              <a:t> based on date and name</a:t>
+            </a:r>
+          </a:p>
+          <a:p>
+            <a:r>
+              <a:rPr lang="en-US" b="1" i="1" dirty="0">
+                <a:solidFill>
+                  <a:schemeClr val="tx1"/>
+                </a:solidFill>
+              </a:rPr>
+              <a:t>Select </a:t>
+            </a:r>
+            <a:r>
+              <a:rPr lang="en-US" b="1" i="1" dirty="0" err="1">
+                <a:solidFill>
+                  <a:schemeClr val="tx1"/>
+                </a:solidFill>
+              </a:rPr>
+              <a:t>TripNumber</a:t>
+            </a:r>
+            <a:r>
+              <a:rPr lang="en-US" b="1" i="1" dirty="0">
+                <a:solidFill>
+                  <a:schemeClr val="tx1"/>
+                </a:solidFill>
+              </a:rPr>
+              <a:t>, </a:t>
+            </a:r>
+            <a:r>
+              <a:rPr lang="en-US" b="1" i="1" dirty="0" err="1">
+                <a:solidFill>
+                  <a:schemeClr val="tx1"/>
+                </a:solidFill>
+              </a:rPr>
+              <a:t>Driver_IDZ</a:t>
+            </a:r>
+            <a:r>
+              <a:rPr lang="en-US" b="1" i="1" dirty="0">
+                <a:solidFill>
+                  <a:schemeClr val="tx1"/>
+                </a:solidFill>
+              </a:rPr>
+              <a:t>, </a:t>
+            </a:r>
+            <a:r>
+              <a:rPr lang="en-US" b="1" i="1" dirty="0" err="1">
+                <a:solidFill>
+                  <a:schemeClr val="tx1"/>
+                </a:solidFill>
+              </a:rPr>
+              <a:t>Cust_IDZ</a:t>
+            </a:r>
+            <a:r>
+              <a:rPr lang="en-US" b="1" i="1" dirty="0">
+                <a:solidFill>
+                  <a:schemeClr val="tx1"/>
+                </a:solidFill>
+              </a:rPr>
+              <a:t>, </a:t>
+            </a:r>
+            <a:r>
+              <a:rPr lang="en-US" b="1" i="1" dirty="0" err="1">
+                <a:solidFill>
+                  <a:schemeClr val="tx1"/>
+                </a:solidFill>
+              </a:rPr>
+              <a:t>Trip_Date</a:t>
+            </a:r>
+            <a:r>
+              <a:rPr lang="en-US" b="1" i="1" dirty="0">
+                <a:solidFill>
+                  <a:schemeClr val="tx1"/>
+                </a:solidFill>
+              </a:rPr>
+              <a:t>, </a:t>
+            </a:r>
+            <a:r>
+              <a:rPr lang="en-US" b="1" i="1" dirty="0" err="1">
+                <a:solidFill>
+                  <a:schemeClr val="tx1"/>
+                </a:solidFill>
+              </a:rPr>
+              <a:t>CostUSDZ</a:t>
+            </a:r>
+            <a:endParaRPr lang="en-US" b="1" i="1" dirty="0">
+              <a:solidFill>
+                <a:schemeClr val="tx1"/>
+              </a:solidFill>
+            </a:endParaRPr>
+          </a:p>
+          <a:p>
+            <a:r>
+              <a:rPr lang="en-US" b="1" i="1" dirty="0">
+                <a:solidFill>
+                  <a:schemeClr val="tx1"/>
+                </a:solidFill>
+              </a:rPr>
+              <a:t>From </a:t>
+            </a:r>
+            <a:r>
+              <a:rPr lang="en-US" b="1" i="1" dirty="0" err="1">
+                <a:solidFill>
+                  <a:schemeClr val="tx1"/>
+                </a:solidFill>
+              </a:rPr>
+              <a:t>Fares_Trips</a:t>
+            </a:r>
+            <a:r>
+              <a:rPr lang="en-US" b="1" i="1" dirty="0">
+                <a:solidFill>
+                  <a:schemeClr val="tx1"/>
+                </a:solidFill>
+              </a:rPr>
+              <a:t> </a:t>
+            </a:r>
+          </a:p>
+          <a:p>
+            <a:r>
+              <a:rPr lang="en-US" b="1" i="1" dirty="0">
+                <a:solidFill>
+                  <a:schemeClr val="tx1"/>
+                </a:solidFill>
+              </a:rPr>
+              <a:t>Where (</a:t>
+            </a:r>
+            <a:r>
+              <a:rPr lang="en-US" b="1" i="1" dirty="0" err="1">
+                <a:solidFill>
+                  <a:schemeClr val="tx1"/>
+                </a:solidFill>
+              </a:rPr>
+              <a:t>Trip_Date</a:t>
+            </a:r>
+            <a:r>
+              <a:rPr lang="en-US" b="1" i="1" dirty="0">
+                <a:solidFill>
+                  <a:schemeClr val="tx1"/>
+                </a:solidFill>
+              </a:rPr>
+              <a:t> = '2016-11-18' &amp;&amp; (</a:t>
+            </a:r>
+          </a:p>
+          <a:p>
+            <a:r>
+              <a:rPr lang="en-US" b="1" i="1" dirty="0">
+                <a:solidFill>
+                  <a:schemeClr val="tx1"/>
+                </a:solidFill>
+              </a:rPr>
+              <a:t>		Select </a:t>
+            </a:r>
+            <a:r>
+              <a:rPr lang="en-US" b="1" i="1" dirty="0" err="1">
+                <a:solidFill>
+                  <a:schemeClr val="tx1"/>
+                </a:solidFill>
+              </a:rPr>
+              <a:t>Driver_Name</a:t>
+            </a:r>
+            <a:endParaRPr lang="en-US" b="1" i="1" dirty="0">
+              <a:solidFill>
+                <a:schemeClr val="tx1"/>
+              </a:solidFill>
+            </a:endParaRPr>
+          </a:p>
+          <a:p>
+            <a:r>
+              <a:rPr lang="en-US" b="1" i="1" dirty="0">
+                <a:solidFill>
+                  <a:schemeClr val="tx1"/>
+                </a:solidFill>
+              </a:rPr>
+              <a:t>		From Drivers</a:t>
+            </a:r>
+          </a:p>
+          <a:p>
+            <a:r>
+              <a:rPr lang="en-US" b="1" i="1" dirty="0">
+                <a:solidFill>
+                  <a:schemeClr val="tx1"/>
+                </a:solidFill>
+              </a:rPr>
+              <a:t>		Where </a:t>
+            </a:r>
+            <a:r>
+              <a:rPr lang="en-US" b="1" i="1" dirty="0" err="1">
+                <a:solidFill>
+                  <a:schemeClr val="tx1"/>
+                </a:solidFill>
+              </a:rPr>
+              <a:t>Driver_Name</a:t>
+            </a:r>
+            <a:r>
+              <a:rPr lang="en-US" b="1" i="1" dirty="0">
+                <a:solidFill>
+                  <a:schemeClr val="tx1"/>
+                </a:solidFill>
+              </a:rPr>
+              <a:t> = '</a:t>
+            </a:r>
+            <a:r>
+              <a:rPr lang="en-US" b="1" i="1" dirty="0" err="1">
+                <a:solidFill>
+                  <a:schemeClr val="tx1"/>
+                </a:solidFill>
+              </a:rPr>
+              <a:t>Danny_Puckett</a:t>
+            </a:r>
+            <a:r>
+              <a:rPr lang="en-US" b="1" i="1" dirty="0">
+                <a:solidFill>
+                  <a:schemeClr val="tx1"/>
+                </a:solidFill>
+              </a:rPr>
+              <a:t>'));</a:t>
+            </a:r>
+          </a:p>
+        </p:txBody>
+      </p:sp>
+      <p:pic>
+        <p:nvPicPr>
+          <p:cNvPr id="4" name="Content Placeholder 9"/>
+          <p:cNvPicPr>
+            <a:picLocks noChangeAspect="1"/>
+          </p:cNvPicPr>
+          <p:nvPr/>
+        </p:nvPicPr>
+        <p:blipFill>
+          <a:blip r:embed="rId2"/>
+          <a:stretch>
+            <a:fillRect/>
+          </a:stretch>
+        </p:blipFill>
+        <p:spPr>
+          <a:xfrm>
+            <a:off x="479494" y="5642506"/>
+            <a:ext cx="10742118" cy="1045931"/>
+          </a:xfrm>
+          <a:prstGeom prst="rect">
+            <a:avLst/>
+          </a:prstGeom>
+        </p:spPr>
+      </p:pic>
+    </p:spTree>
+    <p:extLst>
+      <p:ext uri="{BB962C8B-B14F-4D97-AF65-F5344CB8AC3E}">
+        <p14:creationId xmlns:p14="http://schemas.microsoft.com/office/powerpoint/2010/main" val="2035635028"/>
+      </p:ext>
+    </p:extLst>
+  </p:cSld>
+  <p:clrMapOvr>
+    <a:masterClrMapping/>
+  </p:clrMapOvr>
+</p:sld>
+</file>
+
+<file path=ppt/slides/slide22.xml><?xml version="1.0" encoding="utf-8"?>
+<p:sld xmlns:a="http://schemas.openxmlformats.org/drawingml/2006/main" xmlns:r="http://schemas.openxmlformats.org/officeDocument/2006/relationships" xmlns:p="http://schemas.openxmlformats.org/presentationml/2006/main">
+  <p:cSld>
+    <p:spTree>
+      <p:nvGrpSpPr>
+        <p:cNvPr id="1" name=""/>
+        <p:cNvGrpSpPr/>
+        <p:nvPr/>
+      </p:nvGrpSpPr>
+      <p:grpSpPr>
+        <a:xfrm>
+          <a:off x="0" y="0"/>
+          <a:ext cx="0" cy="0"/>
+          <a:chOff x="0" y="0"/>
+          <a:chExt cx="0" cy="0"/>
+        </a:xfrm>
+      </p:grpSpPr>
+      <p:sp>
+        <p:nvSpPr>
+          <p:cNvPr id="2" name="Title 1"/>
+          <p:cNvSpPr>
+            <a:spLocks noGrp="1"/>
+          </p:cNvSpPr>
+          <p:nvPr>
+            <p:ph type="title"/>
+          </p:nvPr>
+        </p:nvSpPr>
+        <p:spPr/>
+        <p:txBody>
+          <a:bodyPr/>
+          <a:lstStyle/>
+          <a:p>
+            <a:r>
+              <a:rPr lang="en-US" i="1" dirty="0">
+                <a:solidFill>
+                  <a:srgbClr val="FD7F31"/>
+                </a:solidFill>
+              </a:rPr>
+              <a:t>Stored Procedures – Double Checker</a:t>
+            </a:r>
+            <a:endParaRPr lang="en-US" dirty="0"/>
+          </a:p>
+        </p:txBody>
+      </p:sp>
+      <p:sp>
+        <p:nvSpPr>
+          <p:cNvPr id="11" name="Content Placeholder 10"/>
+          <p:cNvSpPr>
+            <a:spLocks noGrp="1"/>
+          </p:cNvSpPr>
+          <p:nvPr>
+            <p:ph idx="1"/>
+          </p:nvPr>
+        </p:nvSpPr>
+        <p:spPr/>
+        <p:txBody>
+          <a:bodyPr/>
+          <a:lstStyle/>
+          <a:p>
+            <a:r>
+              <a:rPr lang="en-US" b="1" dirty="0">
+                <a:solidFill>
+                  <a:schemeClr val="tx1"/>
+                </a:solidFill>
+              </a:rPr>
+              <a:t>Tally/Booking Function &lt;?</a:t>
+            </a:r>
+            <a:r>
+              <a:rPr lang="en-US" b="1" dirty="0" err="1">
+                <a:solidFill>
+                  <a:schemeClr val="tx1"/>
+                </a:solidFill>
+              </a:rPr>
+              <a:t>php</a:t>
+            </a:r>
+            <a:r>
+              <a:rPr lang="en-US" b="1" dirty="0">
+                <a:solidFill>
+                  <a:schemeClr val="tx1"/>
+                </a:solidFill>
+              </a:rPr>
+              <a:t> ($</a:t>
+            </a:r>
+            <a:r>
+              <a:rPr lang="en-US" b="1" dirty="0" err="1">
+                <a:solidFill>
+                  <a:schemeClr val="tx1"/>
+                </a:solidFill>
+              </a:rPr>
+              <a:t>TripNumber</a:t>
+            </a:r>
+            <a:r>
+              <a:rPr lang="en-US" b="1" dirty="0">
+                <a:solidFill>
+                  <a:schemeClr val="tx1"/>
+                </a:solidFill>
+              </a:rPr>
+              <a:t> &gt; 0 ) $Total=$Total+$</a:t>
+            </a:r>
+            <a:r>
+              <a:rPr lang="en-US" b="1" dirty="0" err="1">
+                <a:solidFill>
+                  <a:schemeClr val="tx1"/>
+                </a:solidFill>
+              </a:rPr>
+              <a:t>CostUSD</a:t>
+            </a:r>
+            <a:r>
+              <a:rPr lang="en-US" b="1" dirty="0">
+                <a:solidFill>
+                  <a:schemeClr val="tx1"/>
+                </a:solidFill>
+              </a:rPr>
+              <a:t> : $Total; ?&gt; </a:t>
+            </a:r>
+          </a:p>
+          <a:p>
+            <a:r>
+              <a:rPr lang="en-US" b="1" dirty="0">
+                <a:solidFill>
+                  <a:schemeClr val="tx1"/>
+                </a:solidFill>
+              </a:rPr>
+              <a:t>Select ($Total=$Total + $Price) </a:t>
+            </a:r>
+          </a:p>
+          <a:p>
+            <a:r>
+              <a:rPr lang="en-US" b="1" dirty="0">
+                <a:solidFill>
+                  <a:schemeClr val="tx1"/>
+                </a:solidFill>
+              </a:rPr>
+              <a:t> From </a:t>
+            </a:r>
+            <a:r>
+              <a:rPr lang="en-US" b="1" dirty="0" err="1">
+                <a:solidFill>
+                  <a:schemeClr val="tx1"/>
+                </a:solidFill>
+              </a:rPr>
+              <a:t>Fares_Trips</a:t>
+            </a:r>
+            <a:r>
+              <a:rPr lang="en-US" b="1" dirty="0">
+                <a:solidFill>
+                  <a:schemeClr val="tx1"/>
+                </a:solidFill>
+              </a:rPr>
+              <a:t>; </a:t>
+            </a:r>
+          </a:p>
+        </p:txBody>
+      </p:sp>
+    </p:spTree>
+    <p:extLst>
+      <p:ext uri="{BB962C8B-B14F-4D97-AF65-F5344CB8AC3E}">
+        <p14:creationId xmlns:p14="http://schemas.microsoft.com/office/powerpoint/2010/main" val="2704834210"/>
+      </p:ext>
+    </p:extLst>
+  </p:cSld>
+  <p:clrMapOvr>
+    <a:masterClrMapping/>
+  </p:clrMapOvr>
+</p:sld>
+</file>
+
+<file path=ppt/slides/slide23.xml><?xml version="1.0" encoding="utf-8"?>
+<p:sld xmlns:a="http://schemas.openxmlformats.org/drawingml/2006/main" xmlns:r="http://schemas.openxmlformats.org/officeDocument/2006/relationships" xmlns:p="http://schemas.openxmlformats.org/presentationml/2006/main">
+  <p:cSld>
+    <p:spTree>
+      <p:nvGrpSpPr>
+        <p:cNvPr id="1" name=""/>
+        <p:cNvGrpSpPr/>
+        <p:nvPr/>
+      </p:nvGrpSpPr>
+      <p:grpSpPr>
+        <a:xfrm>
+          <a:off x="0" y="0"/>
+          <a:ext cx="0" cy="0"/>
+          <a:chOff x="0" y="0"/>
+          <a:chExt cx="0" cy="0"/>
+        </a:xfrm>
+      </p:grpSpPr>
+      <p:sp>
+        <p:nvSpPr>
+          <p:cNvPr id="2" name="Title 1"/>
+          <p:cNvSpPr>
+            <a:spLocks noGrp="1"/>
+          </p:cNvSpPr>
+          <p:nvPr>
+            <p:ph type="title"/>
+          </p:nvPr>
+        </p:nvSpPr>
+        <p:spPr/>
+        <p:txBody>
+          <a:bodyPr/>
+          <a:lstStyle/>
+          <a:p>
+            <a:r>
+              <a:rPr lang="en-US" i="1" dirty="0">
+                <a:solidFill>
+                  <a:srgbClr val="FD7F31"/>
+                </a:solidFill>
+              </a:rPr>
+              <a:t>Implementation Notes</a:t>
+            </a:r>
+          </a:p>
+        </p:txBody>
+      </p:sp>
+      <p:sp>
+        <p:nvSpPr>
+          <p:cNvPr id="3" name="Content Placeholder 2"/>
+          <p:cNvSpPr>
+            <a:spLocks noGrp="1"/>
+          </p:cNvSpPr>
+          <p:nvPr>
+            <p:ph idx="1"/>
+          </p:nvPr>
+        </p:nvSpPr>
+        <p:spPr/>
+        <p:txBody>
+          <a:bodyPr/>
+          <a:lstStyle/>
+          <a:p>
+            <a:r>
+              <a:rPr lang="en-US" b="1" dirty="0">
+                <a:solidFill>
+                  <a:schemeClr val="tx1"/>
+                </a:solidFill>
+              </a:rPr>
+              <a:t>A creation of Record [Database] for a taxi company would built of </a:t>
+            </a:r>
+            <a:r>
+              <a:rPr lang="en-US" b="1" dirty="0" err="1">
+                <a:solidFill>
+                  <a:schemeClr val="tx1"/>
+                </a:solidFill>
+              </a:rPr>
+              <a:t>of</a:t>
+            </a:r>
+            <a:r>
+              <a:rPr lang="en-US" b="1" dirty="0">
+                <a:solidFill>
+                  <a:schemeClr val="tx1"/>
+                </a:solidFill>
+              </a:rPr>
+              <a:t> the first set of inputted data; whether by document offset inclusion to a </a:t>
+            </a:r>
+            <a:r>
+              <a:rPr lang="en-US" b="1" dirty="0" err="1">
+                <a:solidFill>
+                  <a:schemeClr val="tx1"/>
+                </a:solidFill>
+              </a:rPr>
+              <a:t>php</a:t>
+            </a:r>
+            <a:r>
+              <a:rPr lang="en-US" b="1" dirty="0">
+                <a:solidFill>
+                  <a:schemeClr val="tx1"/>
+                </a:solidFill>
+              </a:rPr>
+              <a:t> form then transferred into </a:t>
+            </a:r>
+            <a:r>
+              <a:rPr lang="en-US" b="1" dirty="0" err="1">
+                <a:solidFill>
+                  <a:schemeClr val="tx1"/>
+                </a:solidFill>
+              </a:rPr>
+              <a:t>sql</a:t>
+            </a:r>
+            <a:r>
+              <a:rPr lang="en-US" b="1" dirty="0">
+                <a:solidFill>
+                  <a:schemeClr val="tx1"/>
+                </a:solidFill>
+              </a:rPr>
+              <a:t> Insert Into statements.</a:t>
+            </a:r>
+          </a:p>
+          <a:p>
+            <a:r>
+              <a:rPr lang="en-US" b="1" dirty="0">
+                <a:solidFill>
+                  <a:schemeClr val="tx1"/>
+                </a:solidFill>
+              </a:rPr>
+              <a:t>As for the DBMS applied here there is a skeleton, in comparison to what you would be containing within your database. Thinking about backing up your database, the size of your entire DBMS and Content, and hiring a database manager for processing incoming data.</a:t>
+            </a:r>
+          </a:p>
+        </p:txBody>
+      </p:sp>
+    </p:spTree>
+    <p:extLst>
+      <p:ext uri="{BB962C8B-B14F-4D97-AF65-F5344CB8AC3E}">
+        <p14:creationId xmlns:p14="http://schemas.microsoft.com/office/powerpoint/2010/main" val="3100761977"/>
+      </p:ext>
+    </p:extLst>
+  </p:cSld>
+  <p:clrMapOvr>
+    <a:masterClrMapping/>
+  </p:clrMapOvr>
+</p:sld>
+</file>
+
+<file path=ppt/slides/slide24.xml><?xml version="1.0" encoding="utf-8"?>
+<p:sld xmlns:a="http://schemas.openxmlformats.org/drawingml/2006/main" xmlns:r="http://schemas.openxmlformats.org/officeDocument/2006/relationships" xmlns:p="http://schemas.openxmlformats.org/presentationml/2006/main">
+  <p:cSld>
+    <p:spTree>
+      <p:nvGrpSpPr>
+        <p:cNvPr id="1" name=""/>
+        <p:cNvGrpSpPr/>
+        <p:nvPr/>
+      </p:nvGrpSpPr>
+      <p:grpSpPr>
+        <a:xfrm>
+          <a:off x="0" y="0"/>
+          <a:ext cx="0" cy="0"/>
+          <a:chOff x="0" y="0"/>
+          <a:chExt cx="0" cy="0"/>
+        </a:xfrm>
+      </p:grpSpPr>
+      <p:sp>
+        <p:nvSpPr>
+          <p:cNvPr id="2" name="Title 1"/>
+          <p:cNvSpPr>
+            <a:spLocks noGrp="1"/>
+          </p:cNvSpPr>
+          <p:nvPr>
+            <p:ph type="title"/>
+          </p:nvPr>
+        </p:nvSpPr>
+        <p:spPr/>
+        <p:txBody>
+          <a:bodyPr/>
+          <a:lstStyle/>
+          <a:p>
+            <a:r>
+              <a:rPr lang="en-US" sz="3200" i="1" dirty="0">
+                <a:solidFill>
+                  <a:srgbClr val="FD7F31"/>
+                </a:solidFill>
+              </a:rPr>
+              <a:t>Known Problems and Future Enhancements</a:t>
+            </a:r>
+          </a:p>
+        </p:txBody>
+      </p:sp>
+      <p:sp>
+        <p:nvSpPr>
+          <p:cNvPr id="3" name="Content Placeholder 2"/>
+          <p:cNvSpPr>
+            <a:spLocks noGrp="1"/>
+          </p:cNvSpPr>
+          <p:nvPr>
+            <p:ph idx="1"/>
+          </p:nvPr>
+        </p:nvSpPr>
+        <p:spPr/>
+        <p:txBody>
+          <a:bodyPr/>
+          <a:lstStyle/>
+          <a:p>
+            <a:r>
+              <a:rPr lang="en-US" b="1" dirty="0">
+                <a:solidFill>
+                  <a:schemeClr val="tx1"/>
+                </a:solidFill>
+              </a:rPr>
+              <a:t>The </a:t>
+            </a:r>
+            <a:r>
+              <a:rPr lang="en-US" b="1" dirty="0" err="1">
+                <a:solidFill>
+                  <a:schemeClr val="tx1"/>
+                </a:solidFill>
+              </a:rPr>
+              <a:t>sql</a:t>
+            </a:r>
+            <a:r>
+              <a:rPr lang="en-US" b="1" dirty="0">
+                <a:solidFill>
+                  <a:schemeClr val="tx1"/>
+                </a:solidFill>
+              </a:rPr>
+              <a:t> code was a bit </a:t>
+            </a:r>
+            <a:r>
+              <a:rPr lang="en-US" b="1" dirty="0" err="1">
+                <a:solidFill>
+                  <a:schemeClr val="tx1"/>
+                </a:solidFill>
+              </a:rPr>
+              <a:t>misdetermined</a:t>
+            </a:r>
+            <a:r>
+              <a:rPr lang="en-US" b="1" dirty="0">
+                <a:solidFill>
+                  <a:schemeClr val="tx1"/>
+                </a:solidFill>
+              </a:rPr>
+              <a:t>, yet the DBMS and its intuitiveness had endured.</a:t>
+            </a:r>
+          </a:p>
+          <a:p>
+            <a:r>
+              <a:rPr lang="en-US" b="1" dirty="0">
+                <a:solidFill>
+                  <a:schemeClr val="tx1"/>
+                </a:solidFill>
+              </a:rPr>
+              <a:t>As for future enhancements:</a:t>
+            </a:r>
+          </a:p>
+          <a:p>
+            <a:pPr marL="0" indent="0">
+              <a:buNone/>
+            </a:pPr>
+            <a:r>
+              <a:rPr lang="en-US" b="1" dirty="0">
+                <a:solidFill>
+                  <a:schemeClr val="tx1"/>
+                </a:solidFill>
+              </a:rPr>
+              <a:t>	A push button input pad to control the inputs based on search of the 	database and well developed stored procedure functions</a:t>
+            </a:r>
+          </a:p>
+          <a:p>
+            <a:pPr marL="0" indent="0">
+              <a:buNone/>
+            </a:pPr>
+            <a:r>
+              <a:rPr lang="en-US" b="1" dirty="0">
+                <a:solidFill>
+                  <a:schemeClr val="tx1"/>
+                </a:solidFill>
+              </a:rPr>
+              <a:t>Possibly a new </a:t>
+            </a:r>
+          </a:p>
+        </p:txBody>
+      </p:sp>
+    </p:spTree>
+    <p:extLst>
+      <p:ext uri="{BB962C8B-B14F-4D97-AF65-F5344CB8AC3E}">
+        <p14:creationId xmlns:p14="http://schemas.microsoft.com/office/powerpoint/2010/main" val="2252999847"/>
+      </p:ext>
+    </p:extLst>
+  </p:cSld>
+  <p:clrMapOvr>
+    <a:masterClrMapping/>
+  </p:clrMapOvr>
+</p:sld>
+</file>
+
+<file path=ppt/slides/slide25.xml><?xml version="1.0" encoding="utf-8"?>
+<p:sld xmlns:a="http://schemas.openxmlformats.org/drawingml/2006/main" xmlns:r="http://schemas.openxmlformats.org/officeDocument/2006/relationships" xmlns:p="http://schemas.openxmlformats.org/presentationml/2006/main">
+  <p:cSld>
+    <p:spTree>
+      <p:nvGrpSpPr>
+        <p:cNvPr id="1" name=""/>
+        <p:cNvGrpSpPr/>
+        <p:nvPr/>
+      </p:nvGrpSpPr>
+      <p:grpSpPr>
+        <a:xfrm>
+          <a:off x="0" y="0"/>
+          <a:ext cx="0" cy="0"/>
+          <a:chOff x="0" y="0"/>
+          <a:chExt cx="0" cy="0"/>
+        </a:xfrm>
+      </p:grpSpPr>
+      <p:sp>
+        <p:nvSpPr>
+          <p:cNvPr id="2" name="Title 1"/>
+          <p:cNvSpPr>
+            <a:spLocks noGrp="1"/>
+          </p:cNvSpPr>
+          <p:nvPr>
+            <p:ph type="title"/>
+          </p:nvPr>
+        </p:nvSpPr>
+        <p:spPr/>
+        <p:txBody>
+          <a:bodyPr/>
+          <a:lstStyle/>
+          <a:p>
+            <a:endParaRPr lang="en-US"/>
+          </a:p>
+        </p:txBody>
+      </p:sp>
+      <p:sp>
+        <p:nvSpPr>
+          <p:cNvPr id="3" name="Content Placeholder 2"/>
+          <p:cNvSpPr>
+            <a:spLocks noGrp="1"/>
+          </p:cNvSpPr>
+          <p:nvPr>
+            <p:ph idx="1"/>
+          </p:nvPr>
+        </p:nvSpPr>
+        <p:spPr/>
+        <p:txBody>
+          <a:bodyPr/>
+          <a:lstStyle/>
+          <a:p>
+            <a:endParaRPr lang="en-US"/>
+          </a:p>
+        </p:txBody>
+      </p:sp>
+    </p:spTree>
+    <p:extLst>
+      <p:ext uri="{BB962C8B-B14F-4D97-AF65-F5344CB8AC3E}">
+        <p14:creationId xmlns:p14="http://schemas.microsoft.com/office/powerpoint/2010/main" val="208874306"/>
+      </p:ext>
+    </p:extLst>
+  </p:cSld>
+  <p:clrMapOvr>
+    <a:masterClrMapping/>
+  </p:clrMapOvr>
+</p:sld>
+</file>
+
+<file path=ppt/slides/slide26.xml><?xml version="1.0" encoding="utf-8"?>
+<p:sld xmlns:a="http://schemas.openxmlformats.org/drawingml/2006/main" xmlns:r="http://schemas.openxmlformats.org/officeDocument/2006/relationships" xmlns:p="http://schemas.openxmlformats.org/presentationml/2006/main">
+  <p:cSld>
+    <p:spTree>
+      <p:nvGrpSpPr>
+        <p:cNvPr id="1" name=""/>
+        <p:cNvGrpSpPr/>
+        <p:nvPr/>
+      </p:nvGrpSpPr>
+      <p:grpSpPr>
+        <a:xfrm>
+          <a:off x="0" y="0"/>
+          <a:ext cx="0" cy="0"/>
+          <a:chOff x="0" y="0"/>
+          <a:chExt cx="0" cy="0"/>
+        </a:xfrm>
+      </p:grpSpPr>
+      <p:sp>
+        <p:nvSpPr>
+          <p:cNvPr id="2" name="Title 1"/>
+          <p:cNvSpPr>
+            <a:spLocks noGrp="1"/>
+          </p:cNvSpPr>
+          <p:nvPr>
+            <p:ph type="ctrTitle"/>
+          </p:nvPr>
+        </p:nvSpPr>
+        <p:spPr/>
+        <p:txBody>
+          <a:bodyPr/>
+          <a:lstStyle/>
+          <a:p>
+            <a:r>
+              <a:rPr lang="en-US" i="1" dirty="0">
+                <a:solidFill>
+                  <a:srgbClr val="FD7F31"/>
+                </a:solidFill>
+              </a:rPr>
+              <a:t>FAIR FAST FARE</a:t>
+            </a:r>
+          </a:p>
+        </p:txBody>
+      </p:sp>
+      <p:sp>
+        <p:nvSpPr>
+          <p:cNvPr id="3" name="Subtitle 2"/>
+          <p:cNvSpPr>
+            <a:spLocks noGrp="1"/>
+          </p:cNvSpPr>
+          <p:nvPr>
+            <p:ph type="subTitle" idx="1"/>
+          </p:nvPr>
+        </p:nvSpPr>
+        <p:spPr>
+          <a:xfrm>
+            <a:off x="1154955" y="4777380"/>
+            <a:ext cx="8825658" cy="1137646"/>
+          </a:xfrm>
+        </p:spPr>
+        <p:txBody>
+          <a:bodyPr>
+            <a:normAutofit fontScale="85000" lnSpcReduction="20000"/>
+          </a:bodyPr>
+          <a:lstStyle/>
+          <a:p>
+            <a:r>
+              <a:rPr lang="en-US" dirty="0">
+                <a:solidFill>
+                  <a:srgbClr val="FD7F31"/>
+                </a:solidFill>
+              </a:rPr>
+              <a:t>Created May 2017 </a:t>
+            </a:r>
+          </a:p>
+          <a:p>
+            <a:r>
+              <a:rPr lang="en-US" dirty="0">
+                <a:solidFill>
+                  <a:srgbClr val="FD7F31"/>
+                </a:solidFill>
+              </a:rPr>
+              <a:t>A Danny Puckett </a:t>
+            </a:r>
+            <a:r>
+              <a:rPr lang="en-US" dirty="0" err="1">
+                <a:solidFill>
+                  <a:srgbClr val="FD7F31"/>
+                </a:solidFill>
+              </a:rPr>
+              <a:t>Dbms</a:t>
+            </a:r>
+            <a:r>
+              <a:rPr lang="en-US" dirty="0">
+                <a:solidFill>
+                  <a:srgbClr val="FD7F31"/>
+                </a:solidFill>
+              </a:rPr>
+              <a:t> Project</a:t>
+            </a:r>
+          </a:p>
+          <a:p>
+            <a:r>
+              <a:rPr lang="en-US" dirty="0">
+                <a:solidFill>
+                  <a:srgbClr val="FD7F31"/>
+                </a:solidFill>
+              </a:rPr>
+              <a:t>All concepts, theories derived,  Processes, Code, or implied physical implementation are the sole intellectual property of Danny Puckett</a:t>
+            </a:r>
+          </a:p>
+        </p:txBody>
+      </p:sp>
+    </p:spTree>
+    <p:extLst>
+      <p:ext uri="{BB962C8B-B14F-4D97-AF65-F5344CB8AC3E}">
+        <p14:creationId xmlns:p14="http://schemas.microsoft.com/office/powerpoint/2010/main" val="3546573844"/>
+      </p:ext>
+    </p:extLst>
+  </p:cSld>
+  <p:clrMapOvr>
+    <a:masterClrMapping/>
+  </p:clrMapOvr>
+</p:sld>
+</file>
+
 <file path=ppt/slides/slide3.xml><?xml version="1.0" encoding="utf-8"?>
 <p:sld xmlns:a="http://schemas.openxmlformats.org/drawingml/2006/main" xmlns:r="http://schemas.openxmlformats.org/officeDocument/2006/relationships" xmlns:p="http://schemas.openxmlformats.org/presentationml/2006/main">
   <p:cSld>
@@ -15617,15 +18740,15 @@
                   <a:schemeClr val="tx1"/>
                 </a:solidFill>
               </a:rPr>
-              <a:t>ReIntegreated</a:t>
-            </a:r>
-            <a:r>
-              <a:rPr lang="en-US" b="1" dirty="0">
-                <a:solidFill>
-                  <a:schemeClr val="tx1"/>
-                </a:solidFill>
-              </a:rPr>
-              <a:t>’ or ‘Built from Concept’ if needed and plausibly creatable</a:t>
+              <a:t>ReIntegrated</a:t>
+            </a:r>
+            <a:r>
+              <a:rPr lang="en-US" b="1" dirty="0">
+                <a:solidFill>
+                  <a:schemeClr val="tx1"/>
+                </a:solidFill>
+              </a:rPr>
+              <a:t>’ or ‘Built from Concept’ if needed and plausibly creatable.</a:t>
             </a:r>
           </a:p>
           <a:p>
@@ -16950,25 +20073,41 @@
           <a:lstStyle/>
           <a:p>
             <a:r>
-              <a:rPr lang="en-US" dirty="0"/>
+              <a:rPr lang="en-US" b="1" dirty="0">
+                <a:solidFill>
+                  <a:schemeClr val="tx1"/>
+                </a:solidFill>
+              </a:rPr>
               <a:t>Entities are also known as Tables, they are constructed of Attributes and their Relations also known as Rows and Columns</a:t>
             </a:r>
           </a:p>
           <a:p>
             <a:r>
-              <a:rPr lang="en-US" dirty="0"/>
+              <a:rPr lang="en-US" b="1" dirty="0">
+                <a:solidFill>
+                  <a:schemeClr val="tx1"/>
+                </a:solidFill>
+              </a:rPr>
               <a:t>Create Statements are blocks of SQL code that are implemented to create the above mentioned Entities</a:t>
             </a:r>
           </a:p>
           <a:p>
             <a:r>
-              <a:rPr lang="en-US" dirty="0"/>
+              <a:rPr lang="en-US" b="1" dirty="0">
+                <a:solidFill>
+                  <a:schemeClr val="tx1"/>
+                </a:solidFill>
+              </a:rPr>
               <a:t>Insert Into Statements are used to populated the Relations and Attributes of a given Entity with the normalization being the foundation of the DBMS system and its process effectiveness.</a:t>
             </a:r>
           </a:p>
           <a:p>
             <a:r>
-              <a:rPr lang="en-US" dirty="0"/>
+              <a:rPr lang="en-US" b="1" dirty="0">
+                <a:solidFill>
+                  <a:schemeClr val="tx1"/>
+                </a:solidFill>
+              </a:rPr>
               <a:t>Normalization:</a:t>
             </a:r>
           </a:p>
@@ -16977,7 +20116,11 @@
               <a:buNone/>
             </a:pPr>
             <a:r>
-              <a:rPr lang="en-US" dirty="0"/>
+              <a:rPr lang="en-US" b="1" dirty="0">
+                <a:solidFill>
+                  <a:schemeClr val="tx1"/>
+                </a:solidFill>
+              </a:rPr>
               <a:t>	As follows: First Normal Form, Second Normal Form, Third Normal Form 	and the highly sought Boyce Codd Normal Form.  </a:t>
             </a:r>
           </a:p>
@@ -17049,84 +20192,149 @@
             <p:ph idx="1"/>
           </p:nvPr>
         </p:nvSpPr>
-        <p:spPr/>
+        <p:spPr>
+          <a:xfrm>
+            <a:off x="1154955" y="2603500"/>
+            <a:ext cx="8761412" cy="3623680"/>
+          </a:xfrm>
+        </p:spPr>
         <p:txBody>
           <a:bodyPr>
-            <a:normAutofit fontScale="92500" lnSpcReduction="10000"/>
+            <a:noAutofit/>
           </a:bodyPr>
           <a:lstStyle/>
           <a:p>
-            <a:endParaRPr lang="en-US" dirty="0"/>
-          </a:p>
-          <a:p>
-            <a:r>
-              <a:rPr lang="en-US" dirty="0"/>
+            <a:endParaRPr lang="en-US" b="1" dirty="0">
+              <a:solidFill>
+                <a:schemeClr val="tx1"/>
+              </a:solidFill>
+            </a:endParaRPr>
+          </a:p>
+          <a:p>
+            <a:r>
+              <a:rPr lang="en-US" b="1" dirty="0">
+                <a:solidFill>
+                  <a:schemeClr val="tx1"/>
+                </a:solidFill>
+              </a:rPr>
               <a:t>-- Drop statements, for a fresh start of the DBMS      </a:t>
             </a:r>
           </a:p>
           <a:p>
             <a:r>
-              <a:rPr lang="en-US" dirty="0"/>
+              <a:rPr lang="en-US" b="1" dirty="0">
+                <a:solidFill>
+                  <a:schemeClr val="tx1"/>
+                </a:solidFill>
+              </a:rPr>
               <a:t>drop table People cascade;   </a:t>
             </a:r>
           </a:p>
           <a:p>
             <a:r>
-              <a:rPr lang="en-US" dirty="0"/>
+              <a:rPr lang="en-US" b="1" dirty="0">
+                <a:solidFill>
+                  <a:schemeClr val="tx1"/>
+                </a:solidFill>
+              </a:rPr>
               <a:t>drop table Drivers cascade;</a:t>
             </a:r>
           </a:p>
           <a:p>
             <a:r>
-              <a:rPr lang="en-US" dirty="0"/>
+              <a:rPr lang="en-US" b="1" dirty="0">
+                <a:solidFill>
+                  <a:schemeClr val="tx1"/>
+                </a:solidFill>
+              </a:rPr>
               <a:t>drop table Customer cascade;</a:t>
             </a:r>
           </a:p>
           <a:p>
             <a:r>
-              <a:rPr lang="en-US" dirty="0"/>
+              <a:rPr lang="en-US" b="1" dirty="0">
+                <a:solidFill>
+                  <a:schemeClr val="tx1"/>
+                </a:solidFill>
+              </a:rPr>
               <a:t>drop table Dispatch cascade;</a:t>
             </a:r>
           </a:p>
           <a:p>
             <a:r>
-              <a:rPr lang="en-US" dirty="0"/>
+              <a:rPr lang="en-US" b="1" dirty="0">
+                <a:solidFill>
+                  <a:schemeClr val="tx1"/>
+                </a:solidFill>
+              </a:rPr>
               <a:t>drop table Cars cascade;</a:t>
             </a:r>
           </a:p>
           <a:p>
             <a:r>
-              <a:rPr lang="en-US" dirty="0"/>
+              <a:rPr lang="en-US" b="1" dirty="0">
+                <a:solidFill>
+                  <a:schemeClr val="tx1"/>
+                </a:solidFill>
+              </a:rPr>
               <a:t>drop table </a:t>
             </a:r>
             <a:r>
-              <a:rPr lang="en-US" dirty="0" err="1"/>
+              <a:rPr lang="en-US" b="1" dirty="0" err="1">
+                <a:solidFill>
+                  <a:schemeClr val="tx1"/>
+                </a:solidFill>
+              </a:rPr>
               <a:t>Call_Received</a:t>
             </a:r>
             <a:r>
-              <a:rPr lang="en-US" dirty="0"/>
+              <a:rPr lang="en-US" b="1" dirty="0">
+                <a:solidFill>
+                  <a:schemeClr val="tx1"/>
+                </a:solidFill>
+              </a:rPr>
               <a:t> cascade;     </a:t>
             </a:r>
           </a:p>
           <a:p>
             <a:r>
-              <a:rPr lang="en-US" dirty="0"/>
+              <a:rPr lang="en-US" b="1" dirty="0">
+                <a:solidFill>
+                  <a:schemeClr val="tx1"/>
+                </a:solidFill>
+              </a:rPr>
               <a:t>drop table </a:t>
             </a:r>
             <a:r>
-              <a:rPr lang="en-US" dirty="0" err="1"/>
+              <a:rPr lang="en-US" b="1" dirty="0" err="1">
+                <a:solidFill>
+                  <a:schemeClr val="tx1"/>
+                </a:solidFill>
+              </a:rPr>
               <a:t>Fares_Trips</a:t>
             </a:r>
             <a:r>
-              <a:rPr lang="en-US" dirty="0"/>
+              <a:rPr lang="en-US" b="1" dirty="0">
+                <a:solidFill>
+                  <a:schemeClr val="tx1"/>
+                </a:solidFill>
+              </a:rPr>
               <a:t> cascade;</a:t>
             </a:r>
           </a:p>
           <a:p>
-            <a:endParaRPr lang="en-US" dirty="0"/>
-          </a:p>
-          <a:p>
-            <a:endParaRPr lang="en-US" dirty="0"/>
+            <a:endParaRPr lang="en-US" b="1" dirty="0">
+              <a:solidFill>
+                <a:schemeClr val="tx1"/>
+              </a:solidFill>
+            </a:endParaRPr>
+          </a:p>
+          <a:p>
+            <a:endParaRPr lang="en-US" b="1" dirty="0">
+              <a:solidFill>
+                <a:schemeClr val="tx1"/>
+              </a:solidFill>
+            </a:endParaRPr>
           </a:p>
         </p:txBody>
       </p:sp>
@@ -17201,62 +20409,110 @@
           <a:bodyPr/>
           <a:lstStyle/>
           <a:p>
-            <a:endParaRPr lang="en-US" dirty="0"/>
-          </a:p>
-          <a:p>
-            <a:r>
-              <a:rPr lang="en-US" b="1" dirty="0"/>
+            <a:endParaRPr lang="en-US" dirty="0">
+              <a:solidFill>
+                <a:schemeClr val="tx1"/>
+              </a:solidFill>
+            </a:endParaRPr>
+          </a:p>
+          <a:p>
+            <a:r>
+              <a:rPr lang="en-US" b="1" dirty="0">
+                <a:solidFill>
+                  <a:schemeClr val="tx1"/>
+                </a:solidFill>
+              </a:rPr>
               <a:t>CREATE TABLE  People(</a:t>
             </a:r>
           </a:p>
           <a:p>
             <a:r>
-              <a:rPr lang="en-US" b="1" dirty="0"/>
+              <a:rPr lang="en-US" b="1" dirty="0">
+                <a:solidFill>
+                  <a:schemeClr val="tx1"/>
+                </a:solidFill>
+              </a:rPr>
               <a:t> PID  Numeric (3) not null,</a:t>
             </a:r>
           </a:p>
           <a:p>
             <a:r>
-              <a:rPr lang="en-US" b="1" dirty="0"/>
+              <a:rPr lang="en-US" b="1" dirty="0">
+                <a:solidFill>
+                  <a:schemeClr val="tx1"/>
+                </a:solidFill>
+              </a:rPr>
               <a:t> </a:t>
             </a:r>
             <a:r>
-              <a:rPr lang="en-US" b="1" dirty="0" err="1"/>
+              <a:rPr lang="en-US" b="1" dirty="0" err="1">
+                <a:solidFill>
+                  <a:schemeClr val="tx1"/>
+                </a:solidFill>
+              </a:rPr>
               <a:t>Person_Name</a:t>
             </a:r>
             <a:r>
-              <a:rPr lang="en-US" b="1" dirty="0"/>
+              <a:rPr lang="en-US" b="1" dirty="0">
+                <a:solidFill>
+                  <a:schemeClr val="tx1"/>
+                </a:solidFill>
+              </a:rPr>
               <a:t>  Text not null,</a:t>
             </a:r>
           </a:p>
           <a:p>
             <a:r>
-              <a:rPr lang="en-US" b="1" dirty="0"/>
+              <a:rPr lang="en-US" b="1" dirty="0">
+                <a:solidFill>
+                  <a:schemeClr val="tx1"/>
+                </a:solidFill>
+              </a:rPr>
               <a:t> </a:t>
             </a:r>
             <a:r>
-              <a:rPr lang="en-US" b="1" dirty="0" err="1"/>
+              <a:rPr lang="en-US" b="1" dirty="0" err="1">
+                <a:solidFill>
+                  <a:schemeClr val="tx1"/>
+                </a:solidFill>
+              </a:rPr>
               <a:t>PhoneNumber</a:t>
             </a:r>
             <a:r>
-              <a:rPr lang="en-US" b="1" dirty="0"/>
+              <a:rPr lang="en-US" b="1" dirty="0">
+                <a:solidFill>
+                  <a:schemeClr val="tx1"/>
+                </a:solidFill>
+              </a:rPr>
               <a:t>  Numeric not null,  </a:t>
             </a:r>
           </a:p>
           <a:p>
             <a:r>
-              <a:rPr lang="en-US" b="1" dirty="0"/>
+              <a:rPr lang="en-US" b="1" dirty="0">
+                <a:solidFill>
+                  <a:schemeClr val="tx1"/>
+                </a:solidFill>
+              </a:rPr>
               <a:t>PRIMARY KEY ( PID )</a:t>
             </a:r>
           </a:p>
           <a:p>
             <a:r>
-              <a:rPr lang="en-US" b="1" dirty="0"/>
+              <a:rPr lang="en-US" b="1" dirty="0">
+                <a:solidFill>
+                  <a:schemeClr val="tx1"/>
+                </a:solidFill>
+              </a:rPr>
               <a:t>);</a:t>
             </a:r>
           </a:p>
           <a:p>
-            <a:endParaRPr lang="en-US" dirty="0"/>
+            <a:endParaRPr lang="en-US" dirty="0">
+              <a:solidFill>
+                <a:schemeClr val="tx1"/>
+              </a:solidFill>
+            </a:endParaRPr>
           </a:p>
         </p:txBody>
       </p:sp>
